--- a/Retrospective/Sprint 4 -  Retrospective.pptx
+++ b/Retrospective/Sprint 4 -  Retrospective.pptx
@@ -186,7 +186,7 @@
           <a:noFill/>
           <a:extLst>
             <a:ext uri="{909E8E84-426E-40dd-AFC4-6F175D3DCCD1}">
-              <a14:hiddenFill xmlns:a14="http://schemas.microsoft.com/office/drawing/2010/main" xmlns="">
+              <a14:hiddenFill xmlns="" xmlns:a14="http://schemas.microsoft.com/office/drawing/2010/main">
                 <a:solidFill>
                   <a:srgbClr val="FFFFFF"/>
                 </a:solidFill>
@@ -245,7 +245,7 @@
             </a:ln>
             <a:extLst>
               <a:ext uri="{91240B29-F687-4f45-9708-019B960494DF}">
-                <a14:hiddenLine xmlns:a14="http://schemas.microsoft.com/office/drawing/2010/main" xmlns="" w="9525">
+                <a14:hiddenLine xmlns="" xmlns:a14="http://schemas.microsoft.com/office/drawing/2010/main" w="9525">
                   <a:solidFill>
                     <a:srgbClr val="000000"/>
                   </a:solidFill>
@@ -335,7 +335,7 @@
             </a:ln>
             <a:extLst>
               <a:ext uri="{91240B29-F687-4f45-9708-019B960494DF}">
-                <a14:hiddenLine xmlns:a14="http://schemas.microsoft.com/office/drawing/2010/main" xmlns="" w="9525">
+                <a14:hiddenLine xmlns="" xmlns:a14="http://schemas.microsoft.com/office/drawing/2010/main" w="9525">
                   <a:solidFill>
                     <a:srgbClr val="000000"/>
                   </a:solidFill>
@@ -425,7 +425,7 @@
             </a:ln>
             <a:extLst>
               <a:ext uri="{91240B29-F687-4f45-9708-019B960494DF}">
-                <a14:hiddenLine xmlns:a14="http://schemas.microsoft.com/office/drawing/2010/main" xmlns="" w="9525">
+                <a14:hiddenLine xmlns="" xmlns:a14="http://schemas.microsoft.com/office/drawing/2010/main" w="9525">
                   <a:solidFill>
                     <a:srgbClr val="000000"/>
                   </a:solidFill>
@@ -459,7 +459,7 @@
             </a:ln>
             <a:extLst>
               <a:ext uri="{91240B29-F687-4f45-9708-019B960494DF}">
-                <a14:hiddenLine xmlns:a14="http://schemas.microsoft.com/office/drawing/2010/main" xmlns="" w="9525">
+                <a14:hiddenLine xmlns="" xmlns:a14="http://schemas.microsoft.com/office/drawing/2010/main" w="9525">
                   <a:solidFill>
                     <a:srgbClr val="000000"/>
                   </a:solidFill>
@@ -549,7 +549,7 @@
             </a:ln>
             <a:extLst>
               <a:ext uri="{91240B29-F687-4f45-9708-019B960494DF}">
-                <a14:hiddenLine xmlns:a14="http://schemas.microsoft.com/office/drawing/2010/main" xmlns="" w="9525">
+                <a14:hiddenLine xmlns="" xmlns:a14="http://schemas.microsoft.com/office/drawing/2010/main" w="9525">
                   <a:solidFill>
                     <a:srgbClr val="000000"/>
                   </a:solidFill>
@@ -611,7 +611,7 @@
             </a:ln>
             <a:extLst>
               <a:ext uri="{91240B29-F687-4f45-9708-019B960494DF}">
-                <a14:hiddenLine xmlns:a14="http://schemas.microsoft.com/office/drawing/2010/main" xmlns="" w="9525">
+                <a14:hiddenLine xmlns="" xmlns:a14="http://schemas.microsoft.com/office/drawing/2010/main" w="9525">
                   <a:solidFill>
                     <a:srgbClr val="000000"/>
                   </a:solidFill>
@@ -673,7 +673,7 @@
             </a:ln>
             <a:extLst>
               <a:ext uri="{91240B29-F687-4f45-9708-019B960494DF}">
-                <a14:hiddenLine xmlns:a14="http://schemas.microsoft.com/office/drawing/2010/main" xmlns="" w="9525">
+                <a14:hiddenLine xmlns="" xmlns:a14="http://schemas.microsoft.com/office/drawing/2010/main" w="9525">
                   <a:solidFill>
                     <a:srgbClr val="000000"/>
                   </a:solidFill>
@@ -763,7 +763,7 @@
             </a:ln>
             <a:extLst>
               <a:ext uri="{91240B29-F687-4f45-9708-019B960494DF}">
-                <a14:hiddenLine xmlns:a14="http://schemas.microsoft.com/office/drawing/2010/main" xmlns="" w="9525">
+                <a14:hiddenLine xmlns="" xmlns:a14="http://schemas.microsoft.com/office/drawing/2010/main" w="9525">
                   <a:solidFill>
                     <a:srgbClr val="000000"/>
                   </a:solidFill>
@@ -825,7 +825,7 @@
             </a:ln>
             <a:extLst>
               <a:ext uri="{91240B29-F687-4f45-9708-019B960494DF}">
-                <a14:hiddenLine xmlns:a14="http://schemas.microsoft.com/office/drawing/2010/main" xmlns="" w="9525">
+                <a14:hiddenLine xmlns="" xmlns:a14="http://schemas.microsoft.com/office/drawing/2010/main" w="9525">
                   <a:solidFill>
                     <a:srgbClr val="000000"/>
                   </a:solidFill>
@@ -887,7 +887,7 @@
             </a:ln>
             <a:extLst>
               <a:ext uri="{91240B29-F687-4f45-9708-019B960494DF}">
-                <a14:hiddenLine xmlns:a14="http://schemas.microsoft.com/office/drawing/2010/main" xmlns="" w="9525">
+                <a14:hiddenLine xmlns="" xmlns:a14="http://schemas.microsoft.com/office/drawing/2010/main" w="9525">
                   <a:solidFill>
                     <a:srgbClr val="000000"/>
                   </a:solidFill>
@@ -977,7 +977,7 @@
             </a:ln>
             <a:extLst>
               <a:ext uri="{91240B29-F687-4f45-9708-019B960494DF}">
-                <a14:hiddenLine xmlns:a14="http://schemas.microsoft.com/office/drawing/2010/main" xmlns="" w="9525">
+                <a14:hiddenLine xmlns="" xmlns:a14="http://schemas.microsoft.com/office/drawing/2010/main" w="9525">
                   <a:solidFill>
                     <a:srgbClr val="000000"/>
                   </a:solidFill>
@@ -1067,7 +1067,7 @@
             </a:ln>
             <a:extLst>
               <a:ext uri="{91240B29-F687-4f45-9708-019B960494DF}">
-                <a14:hiddenLine xmlns:a14="http://schemas.microsoft.com/office/drawing/2010/main" xmlns="" w="9525">
+                <a14:hiddenLine xmlns="" xmlns:a14="http://schemas.microsoft.com/office/drawing/2010/main" w="9525">
                   <a:solidFill>
                     <a:srgbClr val="000000"/>
                   </a:solidFill>
@@ -1129,7 +1129,7 @@
             </a:ln>
             <a:extLst>
               <a:ext uri="{91240B29-F687-4f45-9708-019B960494DF}">
-                <a14:hiddenLine xmlns:a14="http://schemas.microsoft.com/office/drawing/2010/main" xmlns="" w="9525">
+                <a14:hiddenLine xmlns="" xmlns:a14="http://schemas.microsoft.com/office/drawing/2010/main" w="9525">
                   <a:solidFill>
                     <a:srgbClr val="000000"/>
                   </a:solidFill>
@@ -1239,7 +1239,7 @@
             </a:ln>
             <a:extLst>
               <a:ext uri="{91240B29-F687-4f45-9708-019B960494DF}">
-                <a14:hiddenLine xmlns:a14="http://schemas.microsoft.com/office/drawing/2010/main" xmlns="" w="9525">
+                <a14:hiddenLine xmlns="" xmlns:a14="http://schemas.microsoft.com/office/drawing/2010/main" w="9525">
                   <a:solidFill>
                     <a:srgbClr val="000000"/>
                   </a:solidFill>
@@ -1301,7 +1301,7 @@
             </a:ln>
             <a:extLst>
               <a:ext uri="{91240B29-F687-4f45-9708-019B960494DF}">
-                <a14:hiddenLine xmlns:a14="http://schemas.microsoft.com/office/drawing/2010/main" xmlns="" w="9525">
+                <a14:hiddenLine xmlns="" xmlns:a14="http://schemas.microsoft.com/office/drawing/2010/main" w="9525">
                   <a:solidFill>
                     <a:srgbClr val="000000"/>
                   </a:solidFill>
@@ -1391,7 +1391,7 @@
             </a:ln>
             <a:extLst>
               <a:ext uri="{91240B29-F687-4f45-9708-019B960494DF}">
-                <a14:hiddenLine xmlns:a14="http://schemas.microsoft.com/office/drawing/2010/main" xmlns="" w="9525">
+                <a14:hiddenLine xmlns="" xmlns:a14="http://schemas.microsoft.com/office/drawing/2010/main" w="9525">
                   <a:solidFill>
                     <a:srgbClr val="000000"/>
                   </a:solidFill>
@@ -1481,7 +1481,7 @@
             </a:ln>
             <a:extLst>
               <a:ext uri="{91240B29-F687-4f45-9708-019B960494DF}">
-                <a14:hiddenLine xmlns:a14="http://schemas.microsoft.com/office/drawing/2010/main" xmlns="" w="9525">
+                <a14:hiddenLine xmlns="" xmlns:a14="http://schemas.microsoft.com/office/drawing/2010/main" w="9525">
                   <a:solidFill>
                     <a:srgbClr val="000000"/>
                   </a:solidFill>
@@ -1543,7 +1543,7 @@
             </a:ln>
             <a:extLst>
               <a:ext uri="{91240B29-F687-4f45-9708-019B960494DF}">
-                <a14:hiddenLine xmlns:a14="http://schemas.microsoft.com/office/drawing/2010/main" xmlns="" w="9525">
+                <a14:hiddenLine xmlns="" xmlns:a14="http://schemas.microsoft.com/office/drawing/2010/main" w="9525">
                   <a:solidFill>
                     <a:srgbClr val="000000"/>
                   </a:solidFill>
@@ -1633,7 +1633,7 @@
             </a:ln>
             <a:extLst>
               <a:ext uri="{91240B29-F687-4f45-9708-019B960494DF}">
-                <a14:hiddenLine xmlns:a14="http://schemas.microsoft.com/office/drawing/2010/main" xmlns="" w="9525">
+                <a14:hiddenLine xmlns="" xmlns:a14="http://schemas.microsoft.com/office/drawing/2010/main" w="9525">
                   <a:solidFill>
                     <a:srgbClr val="000000"/>
                   </a:solidFill>
@@ -1723,7 +1723,7 @@
             </a:ln>
             <a:extLst>
               <a:ext uri="{91240B29-F687-4f45-9708-019B960494DF}">
-                <a14:hiddenLine xmlns:a14="http://schemas.microsoft.com/office/drawing/2010/main" xmlns="" w="9525">
+                <a14:hiddenLine xmlns="" xmlns:a14="http://schemas.microsoft.com/office/drawing/2010/main" w="9525">
                   <a:solidFill>
                     <a:srgbClr val="000000"/>
                   </a:solidFill>
@@ -1779,7 +1779,7 @@
             </a:ln>
             <a:extLst>
               <a:ext uri="{91240B29-F687-4f45-9708-019B960494DF}">
-                <a14:hiddenLine xmlns:a14="http://schemas.microsoft.com/office/drawing/2010/main" xmlns="" w="9525">
+                <a14:hiddenLine xmlns="" xmlns:a14="http://schemas.microsoft.com/office/drawing/2010/main" w="9525">
                   <a:solidFill>
                     <a:srgbClr val="000000"/>
                   </a:solidFill>
@@ -1869,7 +1869,7 @@
             </a:ln>
             <a:extLst>
               <a:ext uri="{91240B29-F687-4f45-9708-019B960494DF}">
-                <a14:hiddenLine xmlns:a14="http://schemas.microsoft.com/office/drawing/2010/main" xmlns="" w="9525">
+                <a14:hiddenLine xmlns="" xmlns:a14="http://schemas.microsoft.com/office/drawing/2010/main" w="9525">
                   <a:solidFill>
                     <a:srgbClr val="000000"/>
                   </a:solidFill>
@@ -1925,7 +1925,7 @@
             </a:ln>
             <a:extLst>
               <a:ext uri="{91240B29-F687-4f45-9708-019B960494DF}">
-                <a14:hiddenLine xmlns:a14="http://schemas.microsoft.com/office/drawing/2010/main" xmlns="" w="9525">
+                <a14:hiddenLine xmlns="" xmlns:a14="http://schemas.microsoft.com/office/drawing/2010/main" w="9525">
                   <a:solidFill>
                     <a:srgbClr val="000000"/>
                   </a:solidFill>
@@ -2015,7 +2015,7 @@
             </a:ln>
             <a:extLst>
               <a:ext uri="{91240B29-F687-4f45-9708-019B960494DF}">
-                <a14:hiddenLine xmlns:a14="http://schemas.microsoft.com/office/drawing/2010/main" xmlns="" w="9525">
+                <a14:hiddenLine xmlns="" xmlns:a14="http://schemas.microsoft.com/office/drawing/2010/main" w="9525">
                   <a:solidFill>
                     <a:srgbClr val="000000"/>
                   </a:solidFill>
@@ -2083,7 +2083,7 @@
             </a:ln>
             <a:extLst>
               <a:ext uri="{91240B29-F687-4f45-9708-019B960494DF}">
-                <a14:hiddenLine xmlns:a14="http://schemas.microsoft.com/office/drawing/2010/main" xmlns="" w="9525">
+                <a14:hiddenLine xmlns="" xmlns:a14="http://schemas.microsoft.com/office/drawing/2010/main" w="9525">
                   <a:solidFill>
                     <a:srgbClr val="000000"/>
                   </a:solidFill>
@@ -2173,7 +2173,7 @@
             </a:ln>
             <a:extLst>
               <a:ext uri="{91240B29-F687-4f45-9708-019B960494DF}">
-                <a14:hiddenLine xmlns:a14="http://schemas.microsoft.com/office/drawing/2010/main" xmlns="" w="9525">
+                <a14:hiddenLine xmlns="" xmlns:a14="http://schemas.microsoft.com/office/drawing/2010/main" w="9525">
                   <a:solidFill>
                     <a:srgbClr val="000000"/>
                   </a:solidFill>
@@ -2241,7 +2241,7 @@
             </a:ln>
             <a:extLst>
               <a:ext uri="{91240B29-F687-4f45-9708-019B960494DF}">
-                <a14:hiddenLine xmlns:a14="http://schemas.microsoft.com/office/drawing/2010/main" xmlns="" w="9525">
+                <a14:hiddenLine xmlns="" xmlns:a14="http://schemas.microsoft.com/office/drawing/2010/main" w="9525">
                   <a:solidFill>
                     <a:srgbClr val="000000"/>
                   </a:solidFill>
@@ -2331,7 +2331,7 @@
             </a:ln>
             <a:extLst>
               <a:ext uri="{91240B29-F687-4f45-9708-019B960494DF}">
-                <a14:hiddenLine xmlns:a14="http://schemas.microsoft.com/office/drawing/2010/main" xmlns="" w="9525">
+                <a14:hiddenLine xmlns="" xmlns:a14="http://schemas.microsoft.com/office/drawing/2010/main" w="9525">
                   <a:solidFill>
                     <a:srgbClr val="000000"/>
                   </a:solidFill>
@@ -2365,7 +2365,7 @@
             </a:ln>
             <a:extLst>
               <a:ext uri="{91240B29-F687-4f45-9708-019B960494DF}">
-                <a14:hiddenLine xmlns:a14="http://schemas.microsoft.com/office/drawing/2010/main" xmlns="" w="9525">
+                <a14:hiddenLine xmlns="" xmlns:a14="http://schemas.microsoft.com/office/drawing/2010/main" w="9525">
                   <a:solidFill>
                     <a:srgbClr val="000000"/>
                   </a:solidFill>
@@ -2455,7 +2455,7 @@
             </a:ln>
             <a:extLst>
               <a:ext uri="{91240B29-F687-4f45-9708-019B960494DF}">
-                <a14:hiddenLine xmlns:a14="http://schemas.microsoft.com/office/drawing/2010/main" xmlns="" w="9525">
+                <a14:hiddenLine xmlns="" xmlns:a14="http://schemas.microsoft.com/office/drawing/2010/main" w="9525">
                   <a:solidFill>
                     <a:srgbClr val="000000"/>
                   </a:solidFill>
@@ -2517,7 +2517,7 @@
             </a:ln>
             <a:extLst>
               <a:ext uri="{91240B29-F687-4f45-9708-019B960494DF}">
-                <a14:hiddenLine xmlns:a14="http://schemas.microsoft.com/office/drawing/2010/main" xmlns="" w="9525">
+                <a14:hiddenLine xmlns="" xmlns:a14="http://schemas.microsoft.com/office/drawing/2010/main" w="9525">
                   <a:solidFill>
                     <a:srgbClr val="000000"/>
                   </a:solidFill>
@@ -2579,7 +2579,7 @@
             </a:ln>
             <a:extLst>
               <a:ext uri="{91240B29-F687-4f45-9708-019B960494DF}">
-                <a14:hiddenLine xmlns:a14="http://schemas.microsoft.com/office/drawing/2010/main" xmlns="" w="9525">
+                <a14:hiddenLine xmlns="" xmlns:a14="http://schemas.microsoft.com/office/drawing/2010/main" w="9525">
                   <a:solidFill>
                     <a:srgbClr val="000000"/>
                   </a:solidFill>
@@ -2669,7 +2669,7 @@
             </a:ln>
             <a:extLst>
               <a:ext uri="{91240B29-F687-4f45-9708-019B960494DF}">
-                <a14:hiddenLine xmlns:a14="http://schemas.microsoft.com/office/drawing/2010/main" xmlns="" w="9525">
+                <a14:hiddenLine xmlns="" xmlns:a14="http://schemas.microsoft.com/office/drawing/2010/main" w="9525">
                   <a:solidFill>
                     <a:srgbClr val="000000"/>
                   </a:solidFill>
@@ -2737,7 +2737,7 @@
             </a:ln>
             <a:extLst>
               <a:ext uri="{91240B29-F687-4f45-9708-019B960494DF}">
-                <a14:hiddenLine xmlns:a14="http://schemas.microsoft.com/office/drawing/2010/main" xmlns="" w="9525">
+                <a14:hiddenLine xmlns="" xmlns:a14="http://schemas.microsoft.com/office/drawing/2010/main" w="9525">
                   <a:solidFill>
                     <a:srgbClr val="000000"/>
                   </a:solidFill>
@@ -2799,7 +2799,7 @@
             </a:ln>
             <a:extLst>
               <a:ext uri="{91240B29-F687-4f45-9708-019B960494DF}">
-                <a14:hiddenLine xmlns:a14="http://schemas.microsoft.com/office/drawing/2010/main" xmlns="" w="9525">
+                <a14:hiddenLine xmlns="" xmlns:a14="http://schemas.microsoft.com/office/drawing/2010/main" w="9525">
                   <a:solidFill>
                     <a:srgbClr val="000000"/>
                   </a:solidFill>
@@ -2889,7 +2889,7 @@
             </a:ln>
             <a:extLst>
               <a:ext uri="{91240B29-F687-4f45-9708-019B960494DF}">
-                <a14:hiddenLine xmlns:a14="http://schemas.microsoft.com/office/drawing/2010/main" xmlns="" w="9525">
+                <a14:hiddenLine xmlns="" xmlns:a14="http://schemas.microsoft.com/office/drawing/2010/main" w="9525">
                   <a:solidFill>
                     <a:srgbClr val="000000"/>
                   </a:solidFill>
@@ -2951,7 +2951,7 @@
             </a:ln>
             <a:extLst>
               <a:ext uri="{91240B29-F687-4f45-9708-019B960494DF}">
-                <a14:hiddenLine xmlns:a14="http://schemas.microsoft.com/office/drawing/2010/main" xmlns="" w="9525">
+                <a14:hiddenLine xmlns="" xmlns:a14="http://schemas.microsoft.com/office/drawing/2010/main" w="9525">
                   <a:solidFill>
                     <a:srgbClr val="000000"/>
                   </a:solidFill>
@@ -3041,7 +3041,7 @@
             </a:ln>
             <a:extLst>
               <a:ext uri="{91240B29-F687-4f45-9708-019B960494DF}">
-                <a14:hiddenLine xmlns:a14="http://schemas.microsoft.com/office/drawing/2010/main" xmlns="" w="9525">
+                <a14:hiddenLine xmlns="" xmlns:a14="http://schemas.microsoft.com/office/drawing/2010/main" w="9525">
                   <a:solidFill>
                     <a:srgbClr val="000000"/>
                   </a:solidFill>
@@ -3103,7 +3103,7 @@
             </a:ln>
             <a:extLst>
               <a:ext uri="{91240B29-F687-4f45-9708-019B960494DF}">
-                <a14:hiddenLine xmlns:a14="http://schemas.microsoft.com/office/drawing/2010/main" xmlns="" w="9525">
+                <a14:hiddenLine xmlns="" xmlns:a14="http://schemas.microsoft.com/office/drawing/2010/main" w="9525">
                   <a:solidFill>
                     <a:srgbClr val="000000"/>
                   </a:solidFill>
@@ -3193,7 +3193,7 @@
             </a:ln>
             <a:extLst>
               <a:ext uri="{91240B29-F687-4f45-9708-019B960494DF}">
-                <a14:hiddenLine xmlns:a14="http://schemas.microsoft.com/office/drawing/2010/main" xmlns="" w="9525">
+                <a14:hiddenLine xmlns="" xmlns:a14="http://schemas.microsoft.com/office/drawing/2010/main" w="9525">
                   <a:solidFill>
                     <a:srgbClr val="000000"/>
                   </a:solidFill>
@@ -3227,7 +3227,7 @@
             </a:ln>
             <a:extLst>
               <a:ext uri="{91240B29-F687-4f45-9708-019B960494DF}">
-                <a14:hiddenLine xmlns:a14="http://schemas.microsoft.com/office/drawing/2010/main" xmlns="" w="9525">
+                <a14:hiddenLine xmlns="" xmlns:a14="http://schemas.microsoft.com/office/drawing/2010/main" w="9525">
                   <a:solidFill>
                     <a:srgbClr val="000000"/>
                   </a:solidFill>
@@ -3292,7 +3292,7 @@
             </a:ln>
             <a:extLst>
               <a:ext uri="{91240B29-F687-4f45-9708-019B960494DF}">
-                <a14:hiddenLine xmlns:a14="http://schemas.microsoft.com/office/drawing/2010/main" xmlns="" w="9525">
+                <a14:hiddenLine xmlns="" xmlns:a14="http://schemas.microsoft.com/office/drawing/2010/main" w="9525">
                   <a:solidFill>
                     <a:srgbClr val="000000"/>
                   </a:solidFill>
@@ -3382,7 +3382,7 @@
             </a:ln>
             <a:extLst>
               <a:ext uri="{91240B29-F687-4f45-9708-019B960494DF}">
-                <a14:hiddenLine xmlns:a14="http://schemas.microsoft.com/office/drawing/2010/main" xmlns="" w="9525">
+                <a14:hiddenLine xmlns="" xmlns:a14="http://schemas.microsoft.com/office/drawing/2010/main" w="9525">
                   <a:solidFill>
                     <a:srgbClr val="000000"/>
                   </a:solidFill>
@@ -3444,7 +3444,7 @@
             </a:ln>
             <a:extLst>
               <a:ext uri="{91240B29-F687-4f45-9708-019B960494DF}">
-                <a14:hiddenLine xmlns:a14="http://schemas.microsoft.com/office/drawing/2010/main" xmlns="" w="9525">
+                <a14:hiddenLine xmlns="" xmlns:a14="http://schemas.microsoft.com/office/drawing/2010/main" w="9525">
                   <a:solidFill>
                     <a:srgbClr val="000000"/>
                   </a:solidFill>
@@ -3534,7 +3534,7 @@
             </a:ln>
             <a:extLst>
               <a:ext uri="{91240B29-F687-4f45-9708-019B960494DF}">
-                <a14:hiddenLine xmlns:a14="http://schemas.microsoft.com/office/drawing/2010/main" xmlns="" w="9525">
+                <a14:hiddenLine xmlns="" xmlns:a14="http://schemas.microsoft.com/office/drawing/2010/main" w="9525">
                   <a:solidFill>
                     <a:srgbClr val="000000"/>
                   </a:solidFill>
@@ -3624,7 +3624,7 @@
             </a:ln>
             <a:extLst>
               <a:ext uri="{91240B29-F687-4f45-9708-019B960494DF}">
-                <a14:hiddenLine xmlns:a14="http://schemas.microsoft.com/office/drawing/2010/main" xmlns="" w="9525">
+                <a14:hiddenLine xmlns="" xmlns:a14="http://schemas.microsoft.com/office/drawing/2010/main" w="9525">
                   <a:solidFill>
                     <a:srgbClr val="000000"/>
                   </a:solidFill>
@@ -3689,7 +3689,7 @@
             </a:ln>
             <a:extLst>
               <a:ext uri="{91240B29-F687-4f45-9708-019B960494DF}">
-                <a14:hiddenLine xmlns:a14="http://schemas.microsoft.com/office/drawing/2010/main" xmlns="" w="9525">
+                <a14:hiddenLine xmlns="" xmlns:a14="http://schemas.microsoft.com/office/drawing/2010/main" w="9525">
                   <a:solidFill>
                     <a:srgbClr val="000000"/>
                   </a:solidFill>
@@ -3751,7 +3751,7 @@
             </a:ln>
             <a:extLst>
               <a:ext uri="{91240B29-F687-4f45-9708-019B960494DF}">
-                <a14:hiddenLine xmlns:a14="http://schemas.microsoft.com/office/drawing/2010/main" xmlns="" w="9525">
+                <a14:hiddenLine xmlns="" xmlns:a14="http://schemas.microsoft.com/office/drawing/2010/main" w="9525">
                   <a:solidFill>
                     <a:srgbClr val="000000"/>
                   </a:solidFill>
@@ -3841,7 +3841,7 @@
             </a:ln>
             <a:extLst>
               <a:ext uri="{91240B29-F687-4f45-9708-019B960494DF}">
-                <a14:hiddenLine xmlns:a14="http://schemas.microsoft.com/office/drawing/2010/main" xmlns="" w="9525">
+                <a14:hiddenLine xmlns="" xmlns:a14="http://schemas.microsoft.com/office/drawing/2010/main" w="9525">
                   <a:solidFill>
                     <a:srgbClr val="000000"/>
                   </a:solidFill>
@@ -3931,7 +3931,7 @@
             </a:ln>
             <a:extLst>
               <a:ext uri="{91240B29-F687-4f45-9708-019B960494DF}">
-                <a14:hiddenLine xmlns:a14="http://schemas.microsoft.com/office/drawing/2010/main" xmlns="" w="9525">
+                <a14:hiddenLine xmlns="" xmlns:a14="http://schemas.microsoft.com/office/drawing/2010/main" w="9525">
                   <a:solidFill>
                     <a:srgbClr val="000000"/>
                   </a:solidFill>
@@ -3993,7 +3993,7 @@
             </a:ln>
             <a:extLst>
               <a:ext uri="{91240B29-F687-4f45-9708-019B960494DF}">
-                <a14:hiddenLine xmlns:a14="http://schemas.microsoft.com/office/drawing/2010/main" xmlns="" w="9525">
+                <a14:hiddenLine xmlns="" xmlns:a14="http://schemas.microsoft.com/office/drawing/2010/main" w="9525">
                   <a:solidFill>
                     <a:srgbClr val="000000"/>
                   </a:solidFill>
@@ -4113,7 +4113,7 @@
             </a:ln>
             <a:extLst>
               <a:ext uri="{91240B29-F687-4f45-9708-019B960494DF}">
-                <a14:hiddenLine xmlns:a14="http://schemas.microsoft.com/office/drawing/2010/main" xmlns="" w="9525">
+                <a14:hiddenLine xmlns="" xmlns:a14="http://schemas.microsoft.com/office/drawing/2010/main" w="9525">
                   <a:solidFill>
                     <a:srgbClr val="000000"/>
                   </a:solidFill>
@@ -4181,7 +4181,7 @@
             </a:ln>
             <a:extLst>
               <a:ext uri="{91240B29-F687-4f45-9708-019B960494DF}">
-                <a14:hiddenLine xmlns:a14="http://schemas.microsoft.com/office/drawing/2010/main" xmlns="" w="9525">
+                <a14:hiddenLine xmlns="" xmlns:a14="http://schemas.microsoft.com/office/drawing/2010/main" w="9525">
                   <a:solidFill>
                     <a:srgbClr val="000000"/>
                   </a:solidFill>
@@ -4271,7 +4271,7 @@
             </a:ln>
             <a:extLst>
               <a:ext uri="{91240B29-F687-4f45-9708-019B960494DF}">
-                <a14:hiddenLine xmlns:a14="http://schemas.microsoft.com/office/drawing/2010/main" xmlns="" w="9525">
+                <a14:hiddenLine xmlns="" xmlns:a14="http://schemas.microsoft.com/office/drawing/2010/main" w="9525">
                   <a:solidFill>
                     <a:srgbClr val="000000"/>
                   </a:solidFill>
@@ -4411,7 +4411,7 @@
           <a:p>
             <a:fld id="{48A87A34-81AB-432B-8DAE-1953F412C126}" type="datetimeFigureOut">
               <a:rPr lang="en-US" dirty="0"/>
-              <a:t>1/13/2022</a:t>
+              <a:t>1/14/2022</a:t>
             </a:fld>
             <a:endParaRPr lang="en-US" dirty="0"/>
           </a:p>
@@ -4463,7 +4463,7 @@
           <a:p>
             <a:fld id="{6D22F896-40B5-4ADD-8801-0D06FADFA095}" type="slidenum">
               <a:rPr lang="en-US" dirty="0"/>
-              <a:t>‹N›</a:t>
+              <a:t>‹#›</a:t>
             </a:fld>
             <a:endParaRPr lang="en-US" dirty="0"/>
           </a:p>
@@ -4673,7 +4673,7 @@
           <a:p>
             <a:fld id="{48A87A34-81AB-432B-8DAE-1953F412C126}" type="datetimeFigureOut">
               <a:rPr lang="en-US" dirty="0"/>
-              <a:t>1/13/2022</a:t>
+              <a:t>1/14/2022</a:t>
             </a:fld>
             <a:endParaRPr lang="en-US" dirty="0"/>
           </a:p>
@@ -4715,7 +4715,7 @@
           <a:p>
             <a:fld id="{6D22F896-40B5-4ADD-8801-0D06FADFA095}" type="slidenum">
               <a:rPr lang="en-US" dirty="0"/>
-              <a:t>‹N›</a:t>
+              <a:t>‹#›</a:t>
             </a:fld>
             <a:endParaRPr lang="en-US" dirty="0"/>
           </a:p>
@@ -4864,7 +4864,7 @@
           <a:p>
             <a:fld id="{48A87A34-81AB-432B-8DAE-1953F412C126}" type="datetimeFigureOut">
               <a:rPr lang="en-US" dirty="0"/>
-              <a:t>1/13/2022</a:t>
+              <a:t>1/14/2022</a:t>
             </a:fld>
             <a:endParaRPr lang="en-US" dirty="0"/>
           </a:p>
@@ -4906,7 +4906,7 @@
           <a:p>
             <a:fld id="{6D22F896-40B5-4ADD-8801-0D06FADFA095}" type="slidenum">
               <a:rPr lang="en-US" dirty="0"/>
-              <a:t>‹N›</a:t>
+              <a:t>‹#›</a:t>
             </a:fld>
             <a:endParaRPr lang="en-US" dirty="0"/>
           </a:p>
@@ -5122,7 +5122,7 @@
           <a:p>
             <a:fld id="{48A87A34-81AB-432B-8DAE-1953F412C126}" type="datetimeFigureOut">
               <a:rPr lang="en-US" dirty="0"/>
-              <a:t>1/13/2022</a:t>
+              <a:t>1/14/2022</a:t>
             </a:fld>
             <a:endParaRPr lang="en-US" dirty="0"/>
           </a:p>
@@ -5164,7 +5164,7 @@
           <a:p>
             <a:fld id="{6D22F896-40B5-4ADD-8801-0D06FADFA095}" type="slidenum">
               <a:rPr lang="en-US" dirty="0"/>
-              <a:t>‹N›</a:t>
+              <a:t>‹#›</a:t>
             </a:fld>
             <a:endParaRPr lang="en-US" dirty="0"/>
           </a:p>
@@ -5551,7 +5551,7 @@
           <a:p>
             <a:fld id="{48A87A34-81AB-432B-8DAE-1953F412C126}" type="datetimeFigureOut">
               <a:rPr lang="en-US" dirty="0"/>
-              <a:t>1/13/2022</a:t>
+              <a:t>1/14/2022</a:t>
             </a:fld>
             <a:endParaRPr lang="en-US" dirty="0"/>
           </a:p>
@@ -5593,7 +5593,7 @@
           <a:p>
             <a:fld id="{6D22F896-40B5-4ADD-8801-0D06FADFA095}" type="slidenum">
               <a:rPr lang="en-US" dirty="0"/>
-              <a:t>‹N›</a:t>
+              <a:t>‹#›</a:t>
             </a:fld>
             <a:endParaRPr lang="en-US" dirty="0"/>
           </a:p>
@@ -6092,7 +6092,7 @@
           <a:p>
             <a:fld id="{48A87A34-81AB-432B-8DAE-1953F412C126}" type="datetimeFigureOut">
               <a:rPr lang="en-US" dirty="0"/>
-              <a:t>1/13/2022</a:t>
+              <a:t>1/14/2022</a:t>
             </a:fld>
             <a:endParaRPr lang="en-US" dirty="0"/>
           </a:p>
@@ -6134,7 +6134,7 @@
           <a:p>
             <a:fld id="{6D22F896-40B5-4ADD-8801-0D06FADFA095}" type="slidenum">
               <a:rPr lang="en-US" dirty="0"/>
-              <a:t>‹N›</a:t>
+              <a:t>‹#›</a:t>
             </a:fld>
             <a:endParaRPr lang="en-US" dirty="0"/>
           </a:p>
@@ -6807,7 +6807,7 @@
           <a:p>
             <a:fld id="{48A87A34-81AB-432B-8DAE-1953F412C126}" type="datetimeFigureOut">
               <a:rPr lang="en-US" dirty="0"/>
-              <a:t>1/13/2022</a:t>
+              <a:t>1/14/2022</a:t>
             </a:fld>
             <a:endParaRPr lang="en-US" dirty="0"/>
           </a:p>
@@ -6849,7 +6849,7 @@
           <a:p>
             <a:fld id="{6D22F896-40B5-4ADD-8801-0D06FADFA095}" type="slidenum">
               <a:rPr lang="en-US" dirty="0"/>
-              <a:t>‹N›</a:t>
+              <a:t>‹#›</a:t>
             </a:fld>
             <a:endParaRPr lang="en-US" dirty="0"/>
           </a:p>
@@ -6972,7 +6972,7 @@
           <a:p>
             <a:fld id="{48A87A34-81AB-432B-8DAE-1953F412C126}" type="datetimeFigureOut">
               <a:rPr lang="en-US" dirty="0"/>
-              <a:t>1/13/2022</a:t>
+              <a:t>1/14/2022</a:t>
             </a:fld>
             <a:endParaRPr lang="en-US" dirty="0"/>
           </a:p>
@@ -7014,7 +7014,7 @@
           <a:p>
             <a:fld id="{6D22F896-40B5-4ADD-8801-0D06FADFA095}" type="slidenum">
               <a:rPr lang="en-US" dirty="0"/>
-              <a:t>‹N›</a:t>
+              <a:t>‹#›</a:t>
             </a:fld>
             <a:endParaRPr lang="en-US" dirty="0"/>
           </a:p>
@@ -7147,7 +7147,7 @@
           <a:p>
             <a:fld id="{48A87A34-81AB-432B-8DAE-1953F412C126}" type="datetimeFigureOut">
               <a:rPr lang="en-US" dirty="0"/>
-              <a:t>1/13/2022</a:t>
+              <a:t>1/14/2022</a:t>
             </a:fld>
             <a:endParaRPr lang="en-US" dirty="0"/>
           </a:p>
@@ -7189,7 +7189,7 @@
           <a:p>
             <a:fld id="{6D22F896-40B5-4ADD-8801-0D06FADFA095}" type="slidenum">
               <a:rPr lang="en-US" dirty="0"/>
-              <a:t>‹N›</a:t>
+              <a:t>‹#›</a:t>
             </a:fld>
             <a:endParaRPr lang="en-US" dirty="0"/>
           </a:p>
@@ -7312,7 +7312,7 @@
           <a:p>
             <a:fld id="{48A87A34-81AB-432B-8DAE-1953F412C126}" type="datetimeFigureOut">
               <a:rPr lang="en-US" dirty="0"/>
-              <a:t>1/13/2022</a:t>
+              <a:t>1/14/2022</a:t>
             </a:fld>
             <a:endParaRPr lang="en-US" dirty="0"/>
           </a:p>
@@ -7354,7 +7354,7 @@
           <a:p>
             <a:fld id="{6D22F896-40B5-4ADD-8801-0D06FADFA095}" type="slidenum">
               <a:rPr lang="en-US" dirty="0"/>
-              <a:t>‹N›</a:t>
+              <a:t>‹#›</a:t>
             </a:fld>
             <a:endParaRPr lang="en-US" dirty="0"/>
           </a:p>
@@ -7557,7 +7557,7 @@
           <a:p>
             <a:fld id="{48A87A34-81AB-432B-8DAE-1953F412C126}" type="datetimeFigureOut">
               <a:rPr lang="en-US" dirty="0"/>
-              <a:t>1/13/2022</a:t>
+              <a:t>1/14/2022</a:t>
             </a:fld>
             <a:endParaRPr lang="en-US" dirty="0"/>
           </a:p>
@@ -7599,7 +7599,7 @@
           <a:p>
             <a:fld id="{6D22F896-40B5-4ADD-8801-0D06FADFA095}" type="slidenum">
               <a:rPr lang="en-US" dirty="0"/>
-              <a:t>‹N›</a:t>
+              <a:t>‹#›</a:t>
             </a:fld>
             <a:endParaRPr lang="en-US" dirty="0"/>
           </a:p>
@@ -7784,7 +7784,7 @@
           <a:p>
             <a:fld id="{48A87A34-81AB-432B-8DAE-1953F412C126}" type="datetimeFigureOut">
               <a:rPr lang="en-US" dirty="0"/>
-              <a:t>1/13/2022</a:t>
+              <a:t>1/14/2022</a:t>
             </a:fld>
             <a:endParaRPr lang="en-US" dirty="0"/>
           </a:p>
@@ -7826,7 +7826,7 @@
           <a:p>
             <a:fld id="{6D22F896-40B5-4ADD-8801-0D06FADFA095}" type="slidenum">
               <a:rPr lang="en-US" dirty="0"/>
-              <a:t>‹N›</a:t>
+              <a:t>‹#›</a:t>
             </a:fld>
             <a:endParaRPr lang="en-US" dirty="0"/>
           </a:p>
@@ -8160,7 +8160,7 @@
           <a:p>
             <a:fld id="{48A87A34-81AB-432B-8DAE-1953F412C126}" type="datetimeFigureOut">
               <a:rPr lang="en-US" dirty="0"/>
-              <a:t>1/13/2022</a:t>
+              <a:t>1/14/2022</a:t>
             </a:fld>
             <a:endParaRPr lang="en-US" dirty="0"/>
           </a:p>
@@ -8202,7 +8202,7 @@
           <a:p>
             <a:fld id="{6D22F896-40B5-4ADD-8801-0D06FADFA095}" type="slidenum">
               <a:rPr lang="en-US" dirty="0"/>
-              <a:t>‹N›</a:t>
+              <a:t>‹#›</a:t>
             </a:fld>
             <a:endParaRPr lang="en-US" dirty="0"/>
           </a:p>
@@ -8273,7 +8273,7 @@
           <a:p>
             <a:fld id="{48A87A34-81AB-432B-8DAE-1953F412C126}" type="datetimeFigureOut">
               <a:rPr lang="en-US" dirty="0"/>
-              <a:t>1/13/2022</a:t>
+              <a:t>1/14/2022</a:t>
             </a:fld>
             <a:endParaRPr lang="en-US" dirty="0"/>
           </a:p>
@@ -8315,7 +8315,7 @@
           <a:p>
             <a:fld id="{6D22F896-40B5-4ADD-8801-0D06FADFA095}" type="slidenum">
               <a:rPr lang="en-US" dirty="0"/>
-              <a:t>‹N›</a:t>
+              <a:t>‹#›</a:t>
             </a:fld>
             <a:endParaRPr lang="en-US" dirty="0"/>
           </a:p>
@@ -8363,7 +8363,7 @@
           <a:p>
             <a:fld id="{48A87A34-81AB-432B-8DAE-1953F412C126}" type="datetimeFigureOut">
               <a:rPr lang="en-US" dirty="0"/>
-              <a:t>1/13/2022</a:t>
+              <a:t>1/14/2022</a:t>
             </a:fld>
             <a:endParaRPr lang="en-US" dirty="0"/>
           </a:p>
@@ -8405,7 +8405,7 @@
           <a:p>
             <a:fld id="{6D22F896-40B5-4ADD-8801-0D06FADFA095}" type="slidenum">
               <a:rPr lang="en-US" dirty="0"/>
-              <a:t>‹N›</a:t>
+              <a:t>‹#›</a:t>
             </a:fld>
             <a:endParaRPr lang="en-US" dirty="0"/>
           </a:p>
@@ -8607,7 +8607,7 @@
           <a:p>
             <a:fld id="{48A87A34-81AB-432B-8DAE-1953F412C126}" type="datetimeFigureOut">
               <a:rPr lang="en-US" dirty="0"/>
-              <a:t>1/13/2022</a:t>
+              <a:t>1/14/2022</a:t>
             </a:fld>
             <a:endParaRPr lang="en-US" dirty="0"/>
           </a:p>
@@ -8649,7 +8649,7 @@
           <a:p>
             <a:fld id="{6D22F896-40B5-4ADD-8801-0D06FADFA095}" type="slidenum">
               <a:rPr lang="en-US" dirty="0"/>
-              <a:t>‹N›</a:t>
+              <a:t>‹#›</a:t>
             </a:fld>
             <a:endParaRPr lang="en-US" dirty="0"/>
           </a:p>
@@ -8882,7 +8882,7 @@
           <a:p>
             <a:fld id="{48A87A34-81AB-432B-8DAE-1953F412C126}" type="datetimeFigureOut">
               <a:rPr lang="en-US" dirty="0"/>
-              <a:t>1/13/2022</a:t>
+              <a:t>1/14/2022</a:t>
             </a:fld>
             <a:endParaRPr lang="en-US" dirty="0"/>
           </a:p>
@@ -8924,7 +8924,7 @@
           <a:p>
             <a:fld id="{6D22F896-40B5-4ADD-8801-0D06FADFA095}" type="slidenum">
               <a:rPr lang="en-US" dirty="0"/>
-              <a:t>‹N›</a:t>
+              <a:t>‹#›</a:t>
             </a:fld>
             <a:endParaRPr lang="en-US" dirty="0"/>
           </a:p>
@@ -9000,7 +9000,7 @@
           <a:noFill/>
           <a:extLst>
             <a:ext uri="{909E8E84-426E-40dd-AFC4-6F175D3DCCD1}">
-              <a14:hiddenFill xmlns:a14="http://schemas.microsoft.com/office/drawing/2010/main" xmlns="">
+              <a14:hiddenFill xmlns="" xmlns:a14="http://schemas.microsoft.com/office/drawing/2010/main">
                 <a:solidFill>
                   <a:srgbClr val="FFFFFF"/>
                 </a:solidFill>
@@ -9074,7 +9074,7 @@
               </a:ln>
               <a:extLst>
                 <a:ext uri="{91240B29-F687-4f45-9708-019B960494DF}">
-                  <a14:hiddenLine xmlns:a14="http://schemas.microsoft.com/office/drawing/2010/main" xmlns="" w="9525">
+                  <a14:hiddenLine xmlns="" xmlns:a14="http://schemas.microsoft.com/office/drawing/2010/main" w="9525">
                     <a:solidFill>
                       <a:srgbClr val="000000"/>
                     </a:solidFill>
@@ -9164,7 +9164,7 @@
               </a:ln>
               <a:extLst>
                 <a:ext uri="{91240B29-F687-4f45-9708-019B960494DF}">
-                  <a14:hiddenLine xmlns:a14="http://schemas.microsoft.com/office/drawing/2010/main" xmlns="" w="9525">
+                  <a14:hiddenLine xmlns="" xmlns:a14="http://schemas.microsoft.com/office/drawing/2010/main" w="9525">
                     <a:solidFill>
                       <a:srgbClr val="000000"/>
                     </a:solidFill>
@@ -9254,7 +9254,7 @@
               </a:ln>
               <a:extLst>
                 <a:ext uri="{91240B29-F687-4f45-9708-019B960494DF}">
-                  <a14:hiddenLine xmlns:a14="http://schemas.microsoft.com/office/drawing/2010/main" xmlns="" w="9525">
+                  <a14:hiddenLine xmlns="" xmlns:a14="http://schemas.microsoft.com/office/drawing/2010/main" w="9525">
                     <a:solidFill>
                       <a:srgbClr val="000000"/>
                     </a:solidFill>
@@ -9316,7 +9316,7 @@
               </a:ln>
               <a:extLst>
                 <a:ext uri="{91240B29-F687-4f45-9708-019B960494DF}">
-                  <a14:hiddenLine xmlns:a14="http://schemas.microsoft.com/office/drawing/2010/main" xmlns="" w="9525">
+                  <a14:hiddenLine xmlns="" xmlns:a14="http://schemas.microsoft.com/office/drawing/2010/main" w="9525">
                     <a:solidFill>
                       <a:srgbClr val="000000"/>
                     </a:solidFill>
@@ -9406,7 +9406,7 @@
               </a:ln>
               <a:extLst>
                 <a:ext uri="{91240B29-F687-4f45-9708-019B960494DF}">
-                  <a14:hiddenLine xmlns:a14="http://schemas.microsoft.com/office/drawing/2010/main" xmlns="" w="9525">
+                  <a14:hiddenLine xmlns="" xmlns:a14="http://schemas.microsoft.com/office/drawing/2010/main" w="9525">
                     <a:solidFill>
                       <a:srgbClr val="000000"/>
                     </a:solidFill>
@@ -9468,7 +9468,7 @@
               </a:ln>
               <a:extLst>
                 <a:ext uri="{91240B29-F687-4f45-9708-019B960494DF}">
-                  <a14:hiddenLine xmlns:a14="http://schemas.microsoft.com/office/drawing/2010/main" xmlns="" w="9525">
+                  <a14:hiddenLine xmlns="" xmlns:a14="http://schemas.microsoft.com/office/drawing/2010/main" w="9525">
                     <a:solidFill>
                       <a:srgbClr val="000000"/>
                     </a:solidFill>
@@ -9530,7 +9530,7 @@
               </a:ln>
               <a:extLst>
                 <a:ext uri="{91240B29-F687-4f45-9708-019B960494DF}">
-                  <a14:hiddenLine xmlns:a14="http://schemas.microsoft.com/office/drawing/2010/main" xmlns="" w="9525">
+                  <a14:hiddenLine xmlns="" xmlns:a14="http://schemas.microsoft.com/office/drawing/2010/main" w="9525">
                     <a:solidFill>
                       <a:srgbClr val="000000"/>
                     </a:solidFill>
@@ -9620,7 +9620,7 @@
               </a:ln>
               <a:extLst>
                 <a:ext uri="{91240B29-F687-4f45-9708-019B960494DF}">
-                  <a14:hiddenLine xmlns:a14="http://schemas.microsoft.com/office/drawing/2010/main" xmlns="" w="9525">
+                  <a14:hiddenLine xmlns="" xmlns:a14="http://schemas.microsoft.com/office/drawing/2010/main" w="9525">
                     <a:solidFill>
                       <a:srgbClr val="000000"/>
                     </a:solidFill>
@@ -9710,7 +9710,7 @@
               </a:ln>
               <a:extLst>
                 <a:ext uri="{91240B29-F687-4f45-9708-019B960494DF}">
-                  <a14:hiddenLine xmlns:a14="http://schemas.microsoft.com/office/drawing/2010/main" xmlns="" w="9525">
+                  <a14:hiddenLine xmlns="" xmlns:a14="http://schemas.microsoft.com/office/drawing/2010/main" w="9525">
                     <a:solidFill>
                       <a:srgbClr val="000000"/>
                     </a:solidFill>
@@ -9772,7 +9772,7 @@
               </a:ln>
               <a:extLst>
                 <a:ext uri="{91240B29-F687-4f45-9708-019B960494DF}">
-                  <a14:hiddenLine xmlns:a14="http://schemas.microsoft.com/office/drawing/2010/main" xmlns="" w="9525">
+                  <a14:hiddenLine xmlns="" xmlns:a14="http://schemas.microsoft.com/office/drawing/2010/main" w="9525">
                     <a:solidFill>
                       <a:srgbClr val="000000"/>
                     </a:solidFill>
@@ -9882,7 +9882,7 @@
               </a:ln>
               <a:extLst>
                 <a:ext uri="{91240B29-F687-4f45-9708-019B960494DF}">
-                  <a14:hiddenLine xmlns:a14="http://schemas.microsoft.com/office/drawing/2010/main" xmlns="" w="9525">
+                  <a14:hiddenLine xmlns="" xmlns:a14="http://schemas.microsoft.com/office/drawing/2010/main" w="9525">
                     <a:solidFill>
                       <a:srgbClr val="000000"/>
                     </a:solidFill>
@@ -9966,7 +9966,7 @@
               </a:ln>
               <a:extLst>
                 <a:ext uri="{91240B29-F687-4f45-9708-019B960494DF}">
-                  <a14:hiddenLine xmlns:a14="http://schemas.microsoft.com/office/drawing/2010/main" xmlns="" w="9525">
+                  <a14:hiddenLine xmlns="" xmlns:a14="http://schemas.microsoft.com/office/drawing/2010/main" w="9525">
                     <a:solidFill>
                       <a:srgbClr val="000000"/>
                     </a:solidFill>
@@ -10028,7 +10028,7 @@
               </a:ln>
               <a:extLst>
                 <a:ext uri="{91240B29-F687-4f45-9708-019B960494DF}">
-                  <a14:hiddenLine xmlns:a14="http://schemas.microsoft.com/office/drawing/2010/main" xmlns="" w="9525">
+                  <a14:hiddenLine xmlns="" xmlns:a14="http://schemas.microsoft.com/office/drawing/2010/main" w="9525">
                     <a:solidFill>
                       <a:srgbClr val="000000"/>
                     </a:solidFill>
@@ -10090,7 +10090,7 @@
               </a:ln>
               <a:extLst>
                 <a:ext uri="{91240B29-F687-4f45-9708-019B960494DF}">
-                  <a14:hiddenLine xmlns:a14="http://schemas.microsoft.com/office/drawing/2010/main" xmlns="" w="9525">
+                  <a14:hiddenLine xmlns="" xmlns:a14="http://schemas.microsoft.com/office/drawing/2010/main" w="9525">
                     <a:solidFill>
                       <a:srgbClr val="000000"/>
                     </a:solidFill>
@@ -10180,7 +10180,7 @@
               </a:ln>
               <a:extLst>
                 <a:ext uri="{91240B29-F687-4f45-9708-019B960494DF}">
-                  <a14:hiddenLine xmlns:a14="http://schemas.microsoft.com/office/drawing/2010/main" xmlns="" w="9525">
+                  <a14:hiddenLine xmlns="" xmlns:a14="http://schemas.microsoft.com/office/drawing/2010/main" w="9525">
                     <a:solidFill>
                       <a:srgbClr val="000000"/>
                     </a:solidFill>
@@ -10214,7 +10214,7 @@
               </a:ln>
               <a:extLst>
                 <a:ext uri="{91240B29-F687-4f45-9708-019B960494DF}">
-                  <a14:hiddenLine xmlns:a14="http://schemas.microsoft.com/office/drawing/2010/main" xmlns="" w="9525">
+                  <a14:hiddenLine xmlns="" xmlns:a14="http://schemas.microsoft.com/office/drawing/2010/main" w="9525">
                     <a:solidFill>
                       <a:srgbClr val="000000"/>
                     </a:solidFill>
@@ -10279,7 +10279,7 @@
               </a:ln>
               <a:extLst>
                 <a:ext uri="{91240B29-F687-4f45-9708-019B960494DF}">
-                  <a14:hiddenLine xmlns:a14="http://schemas.microsoft.com/office/drawing/2010/main" xmlns="" w="9525">
+                  <a14:hiddenLine xmlns="" xmlns:a14="http://schemas.microsoft.com/office/drawing/2010/main" w="9525">
                     <a:solidFill>
                       <a:srgbClr val="000000"/>
                     </a:solidFill>
@@ -10369,7 +10369,7 @@
               </a:ln>
               <a:extLst>
                 <a:ext uri="{91240B29-F687-4f45-9708-019B960494DF}">
-                  <a14:hiddenLine xmlns:a14="http://schemas.microsoft.com/office/drawing/2010/main" xmlns="" w="9525">
+                  <a14:hiddenLine xmlns="" xmlns:a14="http://schemas.microsoft.com/office/drawing/2010/main" w="9525">
                     <a:solidFill>
                       <a:srgbClr val="000000"/>
                     </a:solidFill>
@@ -10431,7 +10431,7 @@
               </a:ln>
               <a:extLst>
                 <a:ext uri="{91240B29-F687-4f45-9708-019B960494DF}">
-                  <a14:hiddenLine xmlns:a14="http://schemas.microsoft.com/office/drawing/2010/main" xmlns="" w="9525">
+                  <a14:hiddenLine xmlns="" xmlns:a14="http://schemas.microsoft.com/office/drawing/2010/main" w="9525">
                     <a:solidFill>
                       <a:srgbClr val="000000"/>
                     </a:solidFill>
@@ -10521,7 +10521,7 @@
               </a:ln>
               <a:extLst>
                 <a:ext uri="{91240B29-F687-4f45-9708-019B960494DF}">
-                  <a14:hiddenLine xmlns:a14="http://schemas.microsoft.com/office/drawing/2010/main" xmlns="" w="9525">
+                  <a14:hiddenLine xmlns="" xmlns:a14="http://schemas.microsoft.com/office/drawing/2010/main" w="9525">
                     <a:solidFill>
                       <a:srgbClr val="000000"/>
                     </a:solidFill>
@@ -10586,7 +10586,7 @@
               </a:ln>
               <a:extLst>
                 <a:ext uri="{91240B29-F687-4f45-9708-019B960494DF}">
-                  <a14:hiddenLine xmlns:a14="http://schemas.microsoft.com/office/drawing/2010/main" xmlns="" w="9525">
+                  <a14:hiddenLine xmlns="" xmlns:a14="http://schemas.microsoft.com/office/drawing/2010/main" w="9525">
                     <a:solidFill>
                       <a:srgbClr val="000000"/>
                     </a:solidFill>
@@ -10648,7 +10648,7 @@
               </a:ln>
               <a:extLst>
                 <a:ext uri="{91240B29-F687-4f45-9708-019B960494DF}">
-                  <a14:hiddenLine xmlns:a14="http://schemas.microsoft.com/office/drawing/2010/main" xmlns="" w="9525">
+                  <a14:hiddenLine xmlns="" xmlns:a14="http://schemas.microsoft.com/office/drawing/2010/main" w="9525">
                     <a:solidFill>
                       <a:srgbClr val="000000"/>
                     </a:solidFill>
@@ -10738,7 +10738,7 @@
               </a:ln>
               <a:extLst>
                 <a:ext uri="{91240B29-F687-4f45-9708-019B960494DF}">
-                  <a14:hiddenLine xmlns:a14="http://schemas.microsoft.com/office/drawing/2010/main" xmlns="" w="9525">
+                  <a14:hiddenLine xmlns="" xmlns:a14="http://schemas.microsoft.com/office/drawing/2010/main" w="9525">
                     <a:solidFill>
                       <a:srgbClr val="000000"/>
                     </a:solidFill>
@@ -10828,7 +10828,7 @@
               </a:ln>
               <a:extLst>
                 <a:ext uri="{91240B29-F687-4f45-9708-019B960494DF}">
-                  <a14:hiddenLine xmlns:a14="http://schemas.microsoft.com/office/drawing/2010/main" xmlns="" w="9525">
+                  <a14:hiddenLine xmlns="" xmlns:a14="http://schemas.microsoft.com/office/drawing/2010/main" w="9525">
                     <a:solidFill>
                       <a:srgbClr val="000000"/>
                     </a:solidFill>
@@ -10893,7 +10893,7 @@
               </a:ln>
               <a:extLst>
                 <a:ext uri="{91240B29-F687-4f45-9708-019B960494DF}">
-                  <a14:hiddenLine xmlns:a14="http://schemas.microsoft.com/office/drawing/2010/main" xmlns="" w="9525">
+                  <a14:hiddenLine xmlns="" xmlns:a14="http://schemas.microsoft.com/office/drawing/2010/main" w="9525">
                     <a:solidFill>
                       <a:srgbClr val="000000"/>
                     </a:solidFill>
@@ -11013,7 +11013,7 @@
               </a:ln>
               <a:extLst>
                 <a:ext uri="{91240B29-F687-4f45-9708-019B960494DF}">
-                  <a14:hiddenLine xmlns:a14="http://schemas.microsoft.com/office/drawing/2010/main" xmlns="" w="9525">
+                  <a14:hiddenLine xmlns="" xmlns:a14="http://schemas.microsoft.com/office/drawing/2010/main" w="9525">
                     <a:solidFill>
                       <a:srgbClr val="000000"/>
                     </a:solidFill>
@@ -11094,7 +11094,7 @@
               </a:ln>
               <a:extLst>
                 <a:ext uri="{91240B29-F687-4f45-9708-019B960494DF}">
-                  <a14:hiddenLine xmlns:a14="http://schemas.microsoft.com/office/drawing/2010/main" xmlns="" w="9525">
+                  <a14:hiddenLine xmlns="" xmlns:a14="http://schemas.microsoft.com/office/drawing/2010/main" w="9525">
                     <a:solidFill>
                       <a:srgbClr val="000000"/>
                     </a:solidFill>
@@ -11209,7 +11209,7 @@
               </a:ln>
               <a:extLst>
                 <a:ext uri="{91240B29-F687-4f45-9708-019B960494DF}">
-                  <a14:hiddenLine xmlns:a14="http://schemas.microsoft.com/office/drawing/2010/main" xmlns="" w="9525">
+                  <a14:hiddenLine xmlns="" xmlns:a14="http://schemas.microsoft.com/office/drawing/2010/main" w="9525">
                     <a:solidFill>
                       <a:srgbClr val="000000"/>
                     </a:solidFill>
@@ -11299,7 +11299,7 @@
               </a:ln>
               <a:extLst>
                 <a:ext uri="{91240B29-F687-4f45-9708-019B960494DF}">
-                  <a14:hiddenLine xmlns:a14="http://schemas.microsoft.com/office/drawing/2010/main" xmlns="" w="9525">
+                  <a14:hiddenLine xmlns="" xmlns:a14="http://schemas.microsoft.com/office/drawing/2010/main" w="9525">
                     <a:solidFill>
                       <a:srgbClr val="000000"/>
                     </a:solidFill>
@@ -11364,7 +11364,7 @@
               </a:ln>
               <a:extLst>
                 <a:ext uri="{91240B29-F687-4f45-9708-019B960494DF}">
-                  <a14:hiddenLine xmlns:a14="http://schemas.microsoft.com/office/drawing/2010/main" xmlns="" w="9525">
+                  <a14:hiddenLine xmlns="" xmlns:a14="http://schemas.microsoft.com/office/drawing/2010/main" w="9525">
                     <a:solidFill>
                       <a:srgbClr val="000000"/>
                     </a:solidFill>
@@ -11454,7 +11454,7 @@
               </a:ln>
               <a:extLst>
                 <a:ext uri="{91240B29-F687-4f45-9708-019B960494DF}">
-                  <a14:hiddenLine xmlns:a14="http://schemas.microsoft.com/office/drawing/2010/main" xmlns="" w="9525">
+                  <a14:hiddenLine xmlns="" xmlns:a14="http://schemas.microsoft.com/office/drawing/2010/main" w="9525">
                     <a:solidFill>
                       <a:srgbClr val="000000"/>
                     </a:solidFill>
@@ -11522,7 +11522,7 @@
               </a:ln>
               <a:extLst>
                 <a:ext uri="{91240B29-F687-4f45-9708-019B960494DF}">
-                  <a14:hiddenLine xmlns:a14="http://schemas.microsoft.com/office/drawing/2010/main" xmlns="" w="9525">
+                  <a14:hiddenLine xmlns="" xmlns:a14="http://schemas.microsoft.com/office/drawing/2010/main" w="9525">
                     <a:solidFill>
                       <a:srgbClr val="000000"/>
                     </a:solidFill>
@@ -11612,7 +11612,7 @@
               </a:ln>
               <a:extLst>
                 <a:ext uri="{91240B29-F687-4f45-9708-019B960494DF}">
-                  <a14:hiddenLine xmlns:a14="http://schemas.microsoft.com/office/drawing/2010/main" xmlns="" w="9525">
+                  <a14:hiddenLine xmlns="" xmlns:a14="http://schemas.microsoft.com/office/drawing/2010/main" w="9525">
                     <a:solidFill>
                       <a:srgbClr val="000000"/>
                     </a:solidFill>
@@ -11680,7 +11680,7 @@
               </a:ln>
               <a:extLst>
                 <a:ext uri="{91240B29-F687-4f45-9708-019B960494DF}">
-                  <a14:hiddenLine xmlns:a14="http://schemas.microsoft.com/office/drawing/2010/main" xmlns="" w="9525">
+                  <a14:hiddenLine xmlns="" xmlns:a14="http://schemas.microsoft.com/office/drawing/2010/main" w="9525">
                     <a:solidFill>
                       <a:srgbClr val="000000"/>
                     </a:solidFill>
@@ -11770,7 +11770,7 @@
               </a:ln>
               <a:extLst>
                 <a:ext uri="{91240B29-F687-4f45-9708-019B960494DF}">
-                  <a14:hiddenLine xmlns:a14="http://schemas.microsoft.com/office/drawing/2010/main" xmlns="" w="9525">
+                  <a14:hiddenLine xmlns="" xmlns:a14="http://schemas.microsoft.com/office/drawing/2010/main" w="9525">
                     <a:solidFill>
                       <a:srgbClr val="000000"/>
                     </a:solidFill>
@@ -11804,7 +11804,7 @@
               </a:ln>
               <a:extLst>
                 <a:ext uri="{91240B29-F687-4f45-9708-019B960494DF}">
-                  <a14:hiddenLine xmlns:a14="http://schemas.microsoft.com/office/drawing/2010/main" xmlns="" w="9525">
+                  <a14:hiddenLine xmlns="" xmlns:a14="http://schemas.microsoft.com/office/drawing/2010/main" w="9525">
                     <a:solidFill>
                       <a:srgbClr val="000000"/>
                     </a:solidFill>
@@ -11945,7 +11945,7 @@
             <a:fld id="{48A87A34-81AB-432B-8DAE-1953F412C126}" type="datetimeFigureOut">
               <a:rPr lang="en-US" dirty="0"/>
               <a:pPr/>
-              <a:t>1/13/2022</a:t>
+              <a:t>1/14/2022</a:t>
             </a:fld>
             <a:endParaRPr lang="en-US" dirty="0"/>
           </a:p>
@@ -12024,7 +12024,7 @@
             <a:fld id="{6D22F896-40B5-4ADD-8801-0D06FADFA095}" type="slidenum">
               <a:rPr lang="en-US" dirty="0"/>
               <a:pPr/>
-              <a:t>‹N›</a:t>
+              <a:t>‹#›</a:t>
             </a:fld>
             <a:endParaRPr lang="en-US" dirty="0"/>
           </a:p>
@@ -12899,7 +12899,7 @@
         </p:spPr>
         <p:txBody>
           <a:bodyPr>
-            <a:normAutofit fontScale="85000" lnSpcReduction="20000"/>
+            <a:normAutofit fontScale="77500" lnSpcReduction="20000"/>
           </a:bodyPr>
           <a:lstStyle/>
           <a:p>
@@ -12949,7 +12949,7 @@
                 <a:effectLst/>
                 <a:latin typeface="-apple-system"/>
               </a:rPr>
-              <a:t>Hours estimated for remediation by SonarQube:1 </a:t>
+              <a:t>Hours estimated for remediation by SonarQube: 4</a:t>
             </a:r>
             <a:r>
               <a:rPr lang="en-US" dirty="0">
@@ -12960,7 +12960,7 @@
                 </a:solidFill>
                 <a:latin typeface="-apple-system"/>
               </a:rPr>
-              <a:t>d</a:t>
+              <a:t>d 3h</a:t>
             </a:r>
             <a:r>
               <a:rPr lang="en-US" b="0" i="0" dirty="0">
@@ -12986,7 +12986,7 @@
                 <a:effectLst/>
                 <a:latin typeface="-apple-system"/>
               </a:rPr>
-              <a:t>Hours estimated for remediation by SonarQube only for the selected and planned issues:1d1h30m h (only in New Code - Maintainability  - fixing code smells) </a:t>
+              <a:t>Hours estimated for remediation by SonarQube only for the selected and planned issues: 4d1h (only in New Code - Maintainability  - fixing code smells) </a:t>
             </a:r>
           </a:p>
           <a:p>
@@ -13021,7 +13021,7 @@
                 <a:effectLst/>
                 <a:latin typeface="-apple-system"/>
               </a:rPr>
-              <a:t>ebt ratio (as reported by SonarQube under "Measures-Maintainability"): 0.3%</a:t>
+              <a:t>ebt ratio (as reported by SonarQube under "Measures-Maintainability"): 0.4%</a:t>
             </a:r>
             <a:endParaRPr lang="en-US" b="1" i="0" dirty="0">
               <a:solidFill>
@@ -13069,8 +13069,65 @@
             </a:r>
             <a:r>
               <a:rPr lang="en-US" sz="2000" dirty="0"/>
-              <a:t>→	A</a:t>
-            </a:r>
+              <a:t>→	</a:t>
+            </a:r>
+            <a:r>
+              <a:rPr lang="en-US" dirty="0">
+                <a:solidFill>
+                  <a:schemeClr val="tx1">
+                    <a:lumMod val="85000"/>
+                  </a:schemeClr>
+                </a:solidFill>
+              </a:rPr>
+              <a:t>C (</a:t>
+            </a:r>
+            <a:r>
+              <a:rPr lang="en-US" dirty="0" err="1">
+                <a:solidFill>
+                  <a:schemeClr val="tx1">
+                    <a:lumMod val="85000"/>
+                  </a:schemeClr>
+                </a:solidFill>
+              </a:rPr>
+              <a:t>Sonarcloud</a:t>
+            </a:r>
+            <a:r>
+              <a:rPr lang="en-US" dirty="0">
+                <a:solidFill>
+                  <a:schemeClr val="tx1">
+                    <a:lumMod val="85000"/>
+                  </a:schemeClr>
+                </a:solidFill>
+              </a:rPr>
+              <a:t> considers as bugs the usage of some HTML tags like &lt;b&gt;, &lt;i&gt;, &lt;</a:t>
+            </a:r>
+            <a:r>
+              <a:rPr lang="en-US" dirty="0" err="1">
+                <a:solidFill>
+                  <a:schemeClr val="tx1">
+                    <a:lumMod val="85000"/>
+                  </a:schemeClr>
+                </a:solidFill>
+              </a:rPr>
+              <a:t>th</a:t>
+            </a:r>
+            <a:r>
+              <a:rPr lang="en-US" dirty="0">
+                <a:solidFill>
+                  <a:schemeClr val="tx1">
+                    <a:lumMod val="85000"/>
+                  </a:schemeClr>
+                </a:solidFill>
+              </a:rPr>
+              <a:t>&gt; etc.)</a:t>
+            </a:r>
+            <a:endParaRPr lang="en-US" sz="2000" dirty="0">
+              <a:solidFill>
+                <a:schemeClr val="tx1">
+                  <a:lumMod val="85000"/>
+                </a:schemeClr>
+              </a:solidFill>
+            </a:endParaRPr>
           </a:p>
           <a:p>
             <a:pPr lvl="1"/>
@@ -13283,7 +13340,7 @@
                 </a:solidFill>
                 <a:effectLst/>
               </a:rPr>
-              <a:t>The Story # (Disabled users) proved very difficult and by sacrificing time for it (still could not finish) we ended up with less time on the Story # (Unpicked food) and we completed none of the stories.</a:t>
+              <a:t>The Story #43 (Disabled users) proved very difficult and by sacrificing time for it (still could not finish) we ended up with less time on the Story #41 (Unpicked food) and we completed none of the stories.</a:t>
             </a:r>
           </a:p>
           <a:p>
@@ -13457,7 +13514,7 @@
                 </a:solidFill>
                 <a:latin typeface="-apple-system"/>
               </a:rPr>
-              <a:t>Story integration was not as swift as we expected. We faced some initial difficulty on integrating our previously implemented stories with the new ones</a:t>
+              <a:t>Since this was the last sprint of the course we were unconsciously influenced by this fact and ended up trying to deliver a “near final” version of our app.</a:t>
             </a:r>
           </a:p>
           <a:p>
@@ -13473,7 +13530,7 @@
                 </a:solidFill>
                 <a:latin typeface="-apple-system"/>
               </a:rPr>
-              <a:t>Documentation (the Git readme) proved to be very helpful and we often used it as a “manual” to quickly search and get the information we needed</a:t>
+              <a:t>Story integration was not as swift as we expected. We faced difficulty on integrating the Story #43 (Disabled users) with the other stories and this impacted the result of the stories successfully done.</a:t>
             </a:r>
           </a:p>
           <a:p>
@@ -13489,7 +13546,23 @@
                 </a:solidFill>
                 <a:latin typeface="-apple-system"/>
               </a:rPr>
-              <a:t>At the end of this sprint we were able to deliver a much better looking and much more responsive app. This step helped us better understand the effects of a better design on the stakeholders feedback and “happiness”</a:t>
+              <a:t>There is no workaround to good design &amp; usability. When upgrading the app design we discovered many usability problems and design inconsistencies.</a:t>
+            </a:r>
+          </a:p>
+          <a:p>
+            <a:pPr marL="457200" indent="-457200" algn="l">
+              <a:buAutoNum type="arabicPeriod"/>
+            </a:pPr>
+            <a:r>
+              <a:rPr lang="en-US" sz="2000" dirty="0">
+                <a:solidFill>
+                  <a:schemeClr val="tx1">
+                    <a:lumMod val="85000"/>
+                  </a:schemeClr>
+                </a:solidFill>
+                <a:latin typeface="-apple-system"/>
+              </a:rPr>
+              <a:t>Sprint presentation should be better prepared according to the Sprint structure.</a:t>
             </a:r>
           </a:p>
         </p:txBody>
@@ -13657,7 +13730,7 @@
                 </a:solidFill>
                 <a:effectLst/>
               </a:rPr>
-              <a:t>API test suite coverage went up from less than 50% to higher than 90%.</a:t>
+              <a:t>API test suite coverage went up from less than 50% to higher than 80%.</a:t>
             </a:r>
           </a:p>
           <a:p>
@@ -13953,17 +14026,6 @@
               <a:buAutoNum type="arabicPeriod"/>
             </a:pPr>
             <a:r>
-              <a:rPr lang="en-US" sz="2000" dirty="0">
-                <a:solidFill>
-                  <a:schemeClr val="tx1">
-                    <a:lumMod val="85000"/>
-                  </a:schemeClr>
-                </a:solidFill>
-                <a:latin typeface="-apple-system"/>
-              </a:rPr>
-              <a:t> </a:t>
-            </a:r>
-            <a:r>
               <a:rPr lang="en-US" sz="2000" b="0" i="0" dirty="0">
                 <a:solidFill>
                   <a:schemeClr val="tx1">
@@ -13973,7 +14035,7 @@
                 <a:effectLst/>
                 <a:latin typeface="-apple-system"/>
               </a:rPr>
-              <a:t>We should increase the documentation for each component that we create. In this way others can quickly edit and adapt components without breaking the app.</a:t>
+              <a:t>We should increase the code documentation for each component that we create. In this way other members can quickly edit and adapt components without breaking the app.</a:t>
             </a:r>
           </a:p>
           <a:p>
@@ -13991,7 +14053,7 @@
                 <a:effectLst/>
                 <a:latin typeface="-apple-system"/>
               </a:rPr>
-              <a:t>We should try to finish our tasks earlier so there is enough time to check that every new feature was correctly integrated.</a:t>
+              <a:t>We should try to finish our tasks earlier so there is enough time to check that every new feature is correctly integrated.</a:t>
             </a:r>
           </a:p>
           <a:p>
@@ -14596,7 +14658,7 @@
           <a:p>
             <a:r>
               <a:rPr lang="en-US" dirty="0"/>
-              <a:t>Story #2: </a:t>
+              <a:t>Story #40: </a:t>
             </a:r>
             <a:r>
               <a:rPr lang="en-US" sz="2000" dirty="0"/>
@@ -14684,32 +14746,86 @@
           </a:p>
           <a:p>
             <a:r>
-              <a:rPr lang="en-US" dirty="0"/>
-              <a:t>Story #3</a:t>
-            </a:r>
-            <a:r>
-              <a:rPr lang="en-US" sz="2000" dirty="0"/>
+              <a:rPr lang="en-US" dirty="0">
+                <a:solidFill>
+                  <a:schemeClr val="tx1">
+                    <a:lumMod val="85000"/>
+                  </a:schemeClr>
+                </a:solidFill>
+              </a:rPr>
+              <a:t>NOT DONE </a:t>
+            </a:r>
+            <a:r>
+              <a:rPr lang="en-US" dirty="0">
+                <a:solidFill>
+                  <a:schemeClr val="tx1">
+                    <a:lumMod val="85000"/>
+                  </a:schemeClr>
+                </a:solidFill>
+                <a:sym typeface="Wingdings" panose="05000000000000000000" pitchFamily="2" charset="2"/>
+              </a:rPr>
+              <a:t> </a:t>
+            </a:r>
+            <a:r>
+              <a:rPr lang="en-US" dirty="0">
+                <a:solidFill>
+                  <a:schemeClr val="tx1">
+                    <a:lumMod val="85000"/>
+                  </a:schemeClr>
+                </a:solidFill>
+              </a:rPr>
+              <a:t>Story #41</a:t>
+            </a:r>
+            <a:r>
+              <a:rPr lang="en-US" sz="2000" dirty="0">
+                <a:solidFill>
+                  <a:schemeClr val="tx1">
+                    <a:lumMod val="85000"/>
+                  </a:schemeClr>
+                </a:solidFill>
+              </a:rPr>
               <a:t>: (Manager) </a:t>
             </a:r>
             <a:r>
               <a:rPr lang="it-IT" sz="2000" b="0" i="0" dirty="0">
+                <a:solidFill>
+                  <a:schemeClr val="tx1">
+                    <a:lumMod val="85000"/>
+                  </a:schemeClr>
+                </a:solidFill>
                 <a:effectLst/>
               </a:rPr>
               <a:t>Check </a:t>
             </a:r>
             <a:r>
               <a:rPr lang="it-IT" sz="2000" b="0" i="0" dirty="0" err="1">
+                <a:solidFill>
+                  <a:schemeClr val="tx1">
+                    <a:lumMod val="85000"/>
+                  </a:schemeClr>
+                </a:solidFill>
                 <a:effectLst/>
               </a:rPr>
               <a:t>unretrieved</a:t>
             </a:r>
             <a:r>
               <a:rPr lang="it-IT" sz="2000" b="0" i="0" dirty="0">
+                <a:solidFill>
+                  <a:schemeClr val="tx1">
+                    <a:lumMod val="85000"/>
+                  </a:schemeClr>
+                </a:solidFill>
                 <a:effectLst/>
               </a:rPr>
               <a:t> food</a:t>
             </a:r>
-            <a:endParaRPr lang="en-US" sz="2000" dirty="0"/>
+            <a:endParaRPr lang="en-US" sz="2000" dirty="0">
+              <a:solidFill>
+                <a:schemeClr val="tx1">
+                  <a:lumMod val="85000"/>
+                </a:schemeClr>
+              </a:solidFill>
+            </a:endParaRPr>
           </a:p>
           <a:p>
             <a:pPr marL="746125" indent="-342900">
@@ -14720,7 +14836,13 @@
               <a:buChar char="§"/>
             </a:pPr>
             <a:r>
-              <a:rPr lang="en-US" sz="2000" dirty="0"/>
+              <a:rPr lang="en-US" sz="2000" dirty="0">
+                <a:solidFill>
+                  <a:schemeClr val="tx1">
+                    <a:lumMod val="85000"/>
+                  </a:schemeClr>
+                </a:solidFill>
+              </a:rPr>
               <a:t>Task #1: FE for checking unretrieved food</a:t>
             </a:r>
           </a:p>
@@ -14733,7 +14855,13 @@
               <a:buChar char="§"/>
             </a:pPr>
             <a:r>
-              <a:rPr lang="en-US" sz="2000" dirty="0"/>
+              <a:rPr lang="en-US" sz="2000" dirty="0">
+                <a:solidFill>
+                  <a:schemeClr val="tx1">
+                    <a:lumMod val="85000"/>
+                  </a:schemeClr>
+                </a:solidFill>
+              </a:rPr>
               <a:t>Task #2: BE for checking unretrieved food</a:t>
             </a:r>
           </a:p>
@@ -14746,7 +14874,13 @@
               <a:buChar char="§"/>
             </a:pPr>
             <a:r>
-              <a:rPr lang="en-US" sz="2000" dirty="0"/>
+              <a:rPr lang="en-US" sz="2000" dirty="0">
+                <a:solidFill>
+                  <a:schemeClr val="tx1">
+                    <a:lumMod val="85000"/>
+                  </a:schemeClr>
+                </a:solidFill>
+              </a:rPr>
               <a:t>Story points: 5</a:t>
             </a:r>
           </a:p>
@@ -14759,7 +14893,13 @@
               <a:buChar char="§"/>
             </a:pPr>
             <a:r>
-              <a:rPr lang="en-US" sz="2000" dirty="0"/>
+              <a:rPr lang="en-US" sz="2000" dirty="0">
+                <a:solidFill>
+                  <a:schemeClr val="tx1">
+                    <a:lumMod val="85000"/>
+                  </a:schemeClr>
+                </a:solidFill>
+              </a:rPr>
               <a:t>Estimated: 5h		→	Actual:	-</a:t>
             </a:r>
           </a:p>
@@ -14898,7 +15038,7 @@
           <a:p>
             <a:r>
               <a:rPr lang="en-US" dirty="0"/>
-              <a:t>Story #4: </a:t>
+              <a:t>Story #42: </a:t>
             </a:r>
             <a:r>
               <a:rPr lang="en-US" sz="2000" dirty="0"/>
@@ -14996,26 +15136,75 @@
           </a:p>
           <a:p>
             <a:r>
-              <a:rPr lang="en-US" dirty="0"/>
-              <a:t>Story #5</a:t>
-            </a:r>
-            <a:r>
-              <a:rPr lang="en-US" sz="2000" dirty="0"/>
+              <a:rPr lang="en-US" dirty="0">
+                <a:solidFill>
+                  <a:schemeClr val="tx1">
+                    <a:lumMod val="85000"/>
+                  </a:schemeClr>
+                </a:solidFill>
+              </a:rPr>
+              <a:t>NOT DONE </a:t>
+            </a:r>
+            <a:r>
+              <a:rPr lang="en-US" dirty="0">
+                <a:solidFill>
+                  <a:schemeClr val="tx1">
+                    <a:lumMod val="85000"/>
+                  </a:schemeClr>
+                </a:solidFill>
+                <a:sym typeface="Wingdings" panose="05000000000000000000" pitchFamily="2" charset="2"/>
+              </a:rPr>
+              <a:t> </a:t>
+            </a:r>
+            <a:r>
+              <a:rPr lang="en-US" dirty="0">
+                <a:solidFill>
+                  <a:schemeClr val="tx1">
+                    <a:lumMod val="85000"/>
+                  </a:schemeClr>
+                </a:solidFill>
+              </a:rPr>
+              <a:t>Story #43</a:t>
+            </a:r>
+            <a:r>
+              <a:rPr lang="en-US" sz="2000" dirty="0">
+                <a:solidFill>
+                  <a:schemeClr val="tx1">
+                    <a:lumMod val="85000"/>
+                  </a:schemeClr>
+                </a:solidFill>
+              </a:rPr>
               <a:t>: (Manager</a:t>
             </a:r>
             <a:r>
               <a:rPr lang="it-IT" sz="2000" b="0" i="0" dirty="0">
+                <a:solidFill>
+                  <a:schemeClr val="tx1">
+                    <a:lumMod val="85000"/>
+                  </a:schemeClr>
+                </a:solidFill>
                 <a:effectLst/>
               </a:rPr>
               <a:t> ) Client order </a:t>
             </a:r>
             <a:r>
               <a:rPr lang="it-IT" sz="2000" b="0" i="0" dirty="0" err="1">
+                <a:solidFill>
+                  <a:schemeClr val="tx1">
+                    <a:lumMod val="85000"/>
+                  </a:schemeClr>
+                </a:solidFill>
                 <a:effectLst/>
               </a:rPr>
               <a:t>suspension</a:t>
             </a:r>
-            <a:endParaRPr lang="en-US" sz="2000" dirty="0"/>
+            <a:endParaRPr lang="en-US" sz="2000" dirty="0">
+              <a:solidFill>
+                <a:schemeClr val="tx1">
+                  <a:lumMod val="85000"/>
+                </a:schemeClr>
+              </a:solidFill>
+            </a:endParaRPr>
           </a:p>
           <a:p>
             <a:pPr marL="746125" indent="-342900">
@@ -15026,7 +15215,13 @@
               <a:buChar char="§"/>
             </a:pPr>
             <a:r>
-              <a:rPr lang="en-US" sz="2000" dirty="0"/>
+              <a:rPr lang="en-US" sz="2000" dirty="0">
+                <a:solidFill>
+                  <a:schemeClr val="tx1">
+                    <a:lumMod val="85000"/>
+                  </a:schemeClr>
+                </a:solidFill>
+              </a:rPr>
               <a:t>Task #1: FE for client suspension</a:t>
             </a:r>
           </a:p>
@@ -15039,7 +15234,13 @@
               <a:buChar char="§"/>
             </a:pPr>
             <a:r>
-              <a:rPr lang="en-US" sz="2000" dirty="0"/>
+              <a:rPr lang="en-US" sz="2000" dirty="0">
+                <a:solidFill>
+                  <a:schemeClr val="tx1">
+                    <a:lumMod val="85000"/>
+                  </a:schemeClr>
+                </a:solidFill>
+              </a:rPr>
               <a:t>Task #2: BE for client suspension</a:t>
             </a:r>
           </a:p>
@@ -15052,7 +15253,13 @@
               <a:buChar char="§"/>
             </a:pPr>
             <a:r>
-              <a:rPr lang="en-US" sz="2000" dirty="0"/>
+              <a:rPr lang="en-US" sz="2000" dirty="0">
+                <a:solidFill>
+                  <a:schemeClr val="tx1">
+                    <a:lumMod val="85000"/>
+                  </a:schemeClr>
+                </a:solidFill>
+              </a:rPr>
               <a:t>Story points: 8</a:t>
             </a:r>
           </a:p>
@@ -15065,7 +15272,13 @@
               <a:buChar char="§"/>
             </a:pPr>
             <a:r>
-              <a:rPr lang="en-US" sz="2000" dirty="0"/>
+              <a:rPr lang="en-US" sz="2000" dirty="0">
+                <a:solidFill>
+                  <a:schemeClr val="tx1">
+                    <a:lumMod val="85000"/>
+                  </a:schemeClr>
+                </a:solidFill>
+              </a:rPr>
               <a:t>Estimated: 3h		→	Actual:	1d 5h</a:t>
             </a:r>
           </a:p>
@@ -15204,7 +15417,7 @@
           <a:p>
             <a:r>
               <a:rPr lang="en-US" dirty="0"/>
-              <a:t>Story #6: </a:t>
+              <a:t>Story #44: </a:t>
             </a:r>
             <a:r>
               <a:rPr lang="en-US" sz="2000" dirty="0"/>
@@ -15273,7 +15486,7 @@
           <a:p>
             <a:r>
               <a:rPr lang="en-US" dirty="0"/>
-              <a:t>Story #7</a:t>
+              <a:t>Story #45</a:t>
             </a:r>
             <a:r>
               <a:rPr lang="en-US" sz="2000" dirty="0"/>
@@ -15480,7 +15693,7 @@
           <a:p>
             <a:r>
               <a:rPr lang="en-US" dirty="0"/>
-              <a:t>Story #8</a:t>
+              <a:t>Story #46</a:t>
             </a:r>
             <a:r>
               <a:rPr lang="en-US" sz="2000" dirty="0"/>
@@ -15555,7 +15768,7 @@
           <a:p>
             <a:r>
               <a:rPr lang="en-US" dirty="0"/>
-              <a:t>Story #9</a:t>
+              <a:t>Story #47</a:t>
             </a:r>
             <a:r>
               <a:rPr lang="en-US" sz="2000" dirty="0"/>
@@ -16104,7 +16317,7 @@
                 <a:effectLst/>
                 <a:latin typeface="-apple-system"/>
               </a:rPr>
-              <a:t>Nr of automated unit test cases: </a:t>
+              <a:t>Nr of automated unit test cases: 46</a:t>
             </a:r>
             <a:r>
               <a:rPr lang="en-US" b="0" i="0" dirty="0">
@@ -16124,7 +16337,7 @@
                 <a:effectLst/>
                 <a:latin typeface="-apple-system"/>
               </a:rPr>
-              <a:t>for BE +  for FE</a:t>
+              <a:t>for BE + 88 for FE</a:t>
             </a:r>
             <a:r>
               <a:rPr lang="en-US" b="0" i="0" dirty="0">
@@ -16132,6 +16345,15 @@
                 <a:latin typeface="-apple-system"/>
               </a:rPr>
               <a:t> = </a:t>
+            </a:r>
+            <a:r>
+              <a:rPr lang="en-US" dirty="0">
+                <a:solidFill>
+                  <a:srgbClr val="C9D1D9"/>
+                </a:solidFill>
+                <a:latin typeface="-apple-system"/>
+              </a:rPr>
+              <a:t>134 </a:t>
             </a:r>
             <a:r>
               <a:rPr lang="en-US" b="0" i="0" dirty="0">
@@ -16141,7 +16363,7 @@
                 <a:effectLst/>
                 <a:latin typeface="-apple-system"/>
               </a:rPr>
-              <a:t> unit test cases</a:t>
+              <a:t>unit test cases</a:t>
             </a:r>
           </a:p>
           <a:p>
@@ -16162,7 +16384,7 @@
                 </a:solidFill>
                 <a:latin typeface="-apple-system"/>
               </a:rPr>
-              <a:t> </a:t>
+              <a:t> around 60</a:t>
             </a:r>
             <a:r>
               <a:rPr lang="en-US" b="0" i="0" dirty="0">

--- a/Retrospective/Sprint 4 -  Retrospective.pptx
+++ b/Retrospective/Sprint 4 -  Retrospective.pptx
@@ -186,7 +186,7 @@
           <a:noFill/>
           <a:extLst>
             <a:ext uri="{909E8E84-426E-40dd-AFC4-6F175D3DCCD1}">
-              <a14:hiddenFill xmlns="" xmlns:a14="http://schemas.microsoft.com/office/drawing/2010/main">
+              <a14:hiddenFill xmlns:a14="http://schemas.microsoft.com/office/drawing/2010/main" xmlns="">
                 <a:solidFill>
                   <a:srgbClr val="FFFFFF"/>
                 </a:solidFill>
@@ -245,7 +245,7 @@
             </a:ln>
             <a:extLst>
               <a:ext uri="{91240B29-F687-4f45-9708-019B960494DF}">
-                <a14:hiddenLine xmlns="" xmlns:a14="http://schemas.microsoft.com/office/drawing/2010/main" w="9525">
+                <a14:hiddenLine xmlns:a14="http://schemas.microsoft.com/office/drawing/2010/main" xmlns="" w="9525">
                   <a:solidFill>
                     <a:srgbClr val="000000"/>
                   </a:solidFill>
@@ -335,7 +335,7 @@
             </a:ln>
             <a:extLst>
               <a:ext uri="{91240B29-F687-4f45-9708-019B960494DF}">
-                <a14:hiddenLine xmlns="" xmlns:a14="http://schemas.microsoft.com/office/drawing/2010/main" w="9525">
+                <a14:hiddenLine xmlns:a14="http://schemas.microsoft.com/office/drawing/2010/main" xmlns="" w="9525">
                   <a:solidFill>
                     <a:srgbClr val="000000"/>
                   </a:solidFill>
@@ -425,7 +425,7 @@
             </a:ln>
             <a:extLst>
               <a:ext uri="{91240B29-F687-4f45-9708-019B960494DF}">
-                <a14:hiddenLine xmlns="" xmlns:a14="http://schemas.microsoft.com/office/drawing/2010/main" w="9525">
+                <a14:hiddenLine xmlns:a14="http://schemas.microsoft.com/office/drawing/2010/main" xmlns="" w="9525">
                   <a:solidFill>
                     <a:srgbClr val="000000"/>
                   </a:solidFill>
@@ -459,7 +459,7 @@
             </a:ln>
             <a:extLst>
               <a:ext uri="{91240B29-F687-4f45-9708-019B960494DF}">
-                <a14:hiddenLine xmlns="" xmlns:a14="http://schemas.microsoft.com/office/drawing/2010/main" w="9525">
+                <a14:hiddenLine xmlns:a14="http://schemas.microsoft.com/office/drawing/2010/main" xmlns="" w="9525">
                   <a:solidFill>
                     <a:srgbClr val="000000"/>
                   </a:solidFill>
@@ -549,7 +549,7 @@
             </a:ln>
             <a:extLst>
               <a:ext uri="{91240B29-F687-4f45-9708-019B960494DF}">
-                <a14:hiddenLine xmlns="" xmlns:a14="http://schemas.microsoft.com/office/drawing/2010/main" w="9525">
+                <a14:hiddenLine xmlns:a14="http://schemas.microsoft.com/office/drawing/2010/main" xmlns="" w="9525">
                   <a:solidFill>
                     <a:srgbClr val="000000"/>
                   </a:solidFill>
@@ -611,7 +611,7 @@
             </a:ln>
             <a:extLst>
               <a:ext uri="{91240B29-F687-4f45-9708-019B960494DF}">
-                <a14:hiddenLine xmlns="" xmlns:a14="http://schemas.microsoft.com/office/drawing/2010/main" w="9525">
+                <a14:hiddenLine xmlns:a14="http://schemas.microsoft.com/office/drawing/2010/main" xmlns="" w="9525">
                   <a:solidFill>
                     <a:srgbClr val="000000"/>
                   </a:solidFill>
@@ -673,7 +673,7 @@
             </a:ln>
             <a:extLst>
               <a:ext uri="{91240B29-F687-4f45-9708-019B960494DF}">
-                <a14:hiddenLine xmlns="" xmlns:a14="http://schemas.microsoft.com/office/drawing/2010/main" w="9525">
+                <a14:hiddenLine xmlns:a14="http://schemas.microsoft.com/office/drawing/2010/main" xmlns="" w="9525">
                   <a:solidFill>
                     <a:srgbClr val="000000"/>
                   </a:solidFill>
@@ -763,7 +763,7 @@
             </a:ln>
             <a:extLst>
               <a:ext uri="{91240B29-F687-4f45-9708-019B960494DF}">
-                <a14:hiddenLine xmlns="" xmlns:a14="http://schemas.microsoft.com/office/drawing/2010/main" w="9525">
+                <a14:hiddenLine xmlns:a14="http://schemas.microsoft.com/office/drawing/2010/main" xmlns="" w="9525">
                   <a:solidFill>
                     <a:srgbClr val="000000"/>
                   </a:solidFill>
@@ -825,7 +825,7 @@
             </a:ln>
             <a:extLst>
               <a:ext uri="{91240B29-F687-4f45-9708-019B960494DF}">
-                <a14:hiddenLine xmlns="" xmlns:a14="http://schemas.microsoft.com/office/drawing/2010/main" w="9525">
+                <a14:hiddenLine xmlns:a14="http://schemas.microsoft.com/office/drawing/2010/main" xmlns="" w="9525">
                   <a:solidFill>
                     <a:srgbClr val="000000"/>
                   </a:solidFill>
@@ -887,7 +887,7 @@
             </a:ln>
             <a:extLst>
               <a:ext uri="{91240B29-F687-4f45-9708-019B960494DF}">
-                <a14:hiddenLine xmlns="" xmlns:a14="http://schemas.microsoft.com/office/drawing/2010/main" w="9525">
+                <a14:hiddenLine xmlns:a14="http://schemas.microsoft.com/office/drawing/2010/main" xmlns="" w="9525">
                   <a:solidFill>
                     <a:srgbClr val="000000"/>
                   </a:solidFill>
@@ -977,7 +977,7 @@
             </a:ln>
             <a:extLst>
               <a:ext uri="{91240B29-F687-4f45-9708-019B960494DF}">
-                <a14:hiddenLine xmlns="" xmlns:a14="http://schemas.microsoft.com/office/drawing/2010/main" w="9525">
+                <a14:hiddenLine xmlns:a14="http://schemas.microsoft.com/office/drawing/2010/main" xmlns="" w="9525">
                   <a:solidFill>
                     <a:srgbClr val="000000"/>
                   </a:solidFill>
@@ -1067,7 +1067,7 @@
             </a:ln>
             <a:extLst>
               <a:ext uri="{91240B29-F687-4f45-9708-019B960494DF}">
-                <a14:hiddenLine xmlns="" xmlns:a14="http://schemas.microsoft.com/office/drawing/2010/main" w="9525">
+                <a14:hiddenLine xmlns:a14="http://schemas.microsoft.com/office/drawing/2010/main" xmlns="" w="9525">
                   <a:solidFill>
                     <a:srgbClr val="000000"/>
                   </a:solidFill>
@@ -1129,7 +1129,7 @@
             </a:ln>
             <a:extLst>
               <a:ext uri="{91240B29-F687-4f45-9708-019B960494DF}">
-                <a14:hiddenLine xmlns="" xmlns:a14="http://schemas.microsoft.com/office/drawing/2010/main" w="9525">
+                <a14:hiddenLine xmlns:a14="http://schemas.microsoft.com/office/drawing/2010/main" xmlns="" w="9525">
                   <a:solidFill>
                     <a:srgbClr val="000000"/>
                   </a:solidFill>
@@ -1239,7 +1239,7 @@
             </a:ln>
             <a:extLst>
               <a:ext uri="{91240B29-F687-4f45-9708-019B960494DF}">
-                <a14:hiddenLine xmlns="" xmlns:a14="http://schemas.microsoft.com/office/drawing/2010/main" w="9525">
+                <a14:hiddenLine xmlns:a14="http://schemas.microsoft.com/office/drawing/2010/main" xmlns="" w="9525">
                   <a:solidFill>
                     <a:srgbClr val="000000"/>
                   </a:solidFill>
@@ -1301,7 +1301,7 @@
             </a:ln>
             <a:extLst>
               <a:ext uri="{91240B29-F687-4f45-9708-019B960494DF}">
-                <a14:hiddenLine xmlns="" xmlns:a14="http://schemas.microsoft.com/office/drawing/2010/main" w="9525">
+                <a14:hiddenLine xmlns:a14="http://schemas.microsoft.com/office/drawing/2010/main" xmlns="" w="9525">
                   <a:solidFill>
                     <a:srgbClr val="000000"/>
                   </a:solidFill>
@@ -1391,7 +1391,7 @@
             </a:ln>
             <a:extLst>
               <a:ext uri="{91240B29-F687-4f45-9708-019B960494DF}">
-                <a14:hiddenLine xmlns="" xmlns:a14="http://schemas.microsoft.com/office/drawing/2010/main" w="9525">
+                <a14:hiddenLine xmlns:a14="http://schemas.microsoft.com/office/drawing/2010/main" xmlns="" w="9525">
                   <a:solidFill>
                     <a:srgbClr val="000000"/>
                   </a:solidFill>
@@ -1481,7 +1481,7 @@
             </a:ln>
             <a:extLst>
               <a:ext uri="{91240B29-F687-4f45-9708-019B960494DF}">
-                <a14:hiddenLine xmlns="" xmlns:a14="http://schemas.microsoft.com/office/drawing/2010/main" w="9525">
+                <a14:hiddenLine xmlns:a14="http://schemas.microsoft.com/office/drawing/2010/main" xmlns="" w="9525">
                   <a:solidFill>
                     <a:srgbClr val="000000"/>
                   </a:solidFill>
@@ -1543,7 +1543,7 @@
             </a:ln>
             <a:extLst>
               <a:ext uri="{91240B29-F687-4f45-9708-019B960494DF}">
-                <a14:hiddenLine xmlns="" xmlns:a14="http://schemas.microsoft.com/office/drawing/2010/main" w="9525">
+                <a14:hiddenLine xmlns:a14="http://schemas.microsoft.com/office/drawing/2010/main" xmlns="" w="9525">
                   <a:solidFill>
                     <a:srgbClr val="000000"/>
                   </a:solidFill>
@@ -1633,7 +1633,7 @@
             </a:ln>
             <a:extLst>
               <a:ext uri="{91240B29-F687-4f45-9708-019B960494DF}">
-                <a14:hiddenLine xmlns="" xmlns:a14="http://schemas.microsoft.com/office/drawing/2010/main" w="9525">
+                <a14:hiddenLine xmlns:a14="http://schemas.microsoft.com/office/drawing/2010/main" xmlns="" w="9525">
                   <a:solidFill>
                     <a:srgbClr val="000000"/>
                   </a:solidFill>
@@ -1723,7 +1723,7 @@
             </a:ln>
             <a:extLst>
               <a:ext uri="{91240B29-F687-4f45-9708-019B960494DF}">
-                <a14:hiddenLine xmlns="" xmlns:a14="http://schemas.microsoft.com/office/drawing/2010/main" w="9525">
+                <a14:hiddenLine xmlns:a14="http://schemas.microsoft.com/office/drawing/2010/main" xmlns="" w="9525">
                   <a:solidFill>
                     <a:srgbClr val="000000"/>
                   </a:solidFill>
@@ -1779,7 +1779,7 @@
             </a:ln>
             <a:extLst>
               <a:ext uri="{91240B29-F687-4f45-9708-019B960494DF}">
-                <a14:hiddenLine xmlns="" xmlns:a14="http://schemas.microsoft.com/office/drawing/2010/main" w="9525">
+                <a14:hiddenLine xmlns:a14="http://schemas.microsoft.com/office/drawing/2010/main" xmlns="" w="9525">
                   <a:solidFill>
                     <a:srgbClr val="000000"/>
                   </a:solidFill>
@@ -1869,7 +1869,7 @@
             </a:ln>
             <a:extLst>
               <a:ext uri="{91240B29-F687-4f45-9708-019B960494DF}">
-                <a14:hiddenLine xmlns="" xmlns:a14="http://schemas.microsoft.com/office/drawing/2010/main" w="9525">
+                <a14:hiddenLine xmlns:a14="http://schemas.microsoft.com/office/drawing/2010/main" xmlns="" w="9525">
                   <a:solidFill>
                     <a:srgbClr val="000000"/>
                   </a:solidFill>
@@ -1925,7 +1925,7 @@
             </a:ln>
             <a:extLst>
               <a:ext uri="{91240B29-F687-4f45-9708-019B960494DF}">
-                <a14:hiddenLine xmlns="" xmlns:a14="http://schemas.microsoft.com/office/drawing/2010/main" w="9525">
+                <a14:hiddenLine xmlns:a14="http://schemas.microsoft.com/office/drawing/2010/main" xmlns="" w="9525">
                   <a:solidFill>
                     <a:srgbClr val="000000"/>
                   </a:solidFill>
@@ -2015,7 +2015,7 @@
             </a:ln>
             <a:extLst>
               <a:ext uri="{91240B29-F687-4f45-9708-019B960494DF}">
-                <a14:hiddenLine xmlns="" xmlns:a14="http://schemas.microsoft.com/office/drawing/2010/main" w="9525">
+                <a14:hiddenLine xmlns:a14="http://schemas.microsoft.com/office/drawing/2010/main" xmlns="" w="9525">
                   <a:solidFill>
                     <a:srgbClr val="000000"/>
                   </a:solidFill>
@@ -2083,7 +2083,7 @@
             </a:ln>
             <a:extLst>
               <a:ext uri="{91240B29-F687-4f45-9708-019B960494DF}">
-                <a14:hiddenLine xmlns="" xmlns:a14="http://schemas.microsoft.com/office/drawing/2010/main" w="9525">
+                <a14:hiddenLine xmlns:a14="http://schemas.microsoft.com/office/drawing/2010/main" xmlns="" w="9525">
                   <a:solidFill>
                     <a:srgbClr val="000000"/>
                   </a:solidFill>
@@ -2173,7 +2173,7 @@
             </a:ln>
             <a:extLst>
               <a:ext uri="{91240B29-F687-4f45-9708-019B960494DF}">
-                <a14:hiddenLine xmlns="" xmlns:a14="http://schemas.microsoft.com/office/drawing/2010/main" w="9525">
+                <a14:hiddenLine xmlns:a14="http://schemas.microsoft.com/office/drawing/2010/main" xmlns="" w="9525">
                   <a:solidFill>
                     <a:srgbClr val="000000"/>
                   </a:solidFill>
@@ -2241,7 +2241,7 @@
             </a:ln>
             <a:extLst>
               <a:ext uri="{91240B29-F687-4f45-9708-019B960494DF}">
-                <a14:hiddenLine xmlns="" xmlns:a14="http://schemas.microsoft.com/office/drawing/2010/main" w="9525">
+                <a14:hiddenLine xmlns:a14="http://schemas.microsoft.com/office/drawing/2010/main" xmlns="" w="9525">
                   <a:solidFill>
                     <a:srgbClr val="000000"/>
                   </a:solidFill>
@@ -2331,7 +2331,7 @@
             </a:ln>
             <a:extLst>
               <a:ext uri="{91240B29-F687-4f45-9708-019B960494DF}">
-                <a14:hiddenLine xmlns="" xmlns:a14="http://schemas.microsoft.com/office/drawing/2010/main" w="9525">
+                <a14:hiddenLine xmlns:a14="http://schemas.microsoft.com/office/drawing/2010/main" xmlns="" w="9525">
                   <a:solidFill>
                     <a:srgbClr val="000000"/>
                   </a:solidFill>
@@ -2365,7 +2365,7 @@
             </a:ln>
             <a:extLst>
               <a:ext uri="{91240B29-F687-4f45-9708-019B960494DF}">
-                <a14:hiddenLine xmlns="" xmlns:a14="http://schemas.microsoft.com/office/drawing/2010/main" w="9525">
+                <a14:hiddenLine xmlns:a14="http://schemas.microsoft.com/office/drawing/2010/main" xmlns="" w="9525">
                   <a:solidFill>
                     <a:srgbClr val="000000"/>
                   </a:solidFill>
@@ -2455,7 +2455,7 @@
             </a:ln>
             <a:extLst>
               <a:ext uri="{91240B29-F687-4f45-9708-019B960494DF}">
-                <a14:hiddenLine xmlns="" xmlns:a14="http://schemas.microsoft.com/office/drawing/2010/main" w="9525">
+                <a14:hiddenLine xmlns:a14="http://schemas.microsoft.com/office/drawing/2010/main" xmlns="" w="9525">
                   <a:solidFill>
                     <a:srgbClr val="000000"/>
                   </a:solidFill>
@@ -2517,7 +2517,7 @@
             </a:ln>
             <a:extLst>
               <a:ext uri="{91240B29-F687-4f45-9708-019B960494DF}">
-                <a14:hiddenLine xmlns="" xmlns:a14="http://schemas.microsoft.com/office/drawing/2010/main" w="9525">
+                <a14:hiddenLine xmlns:a14="http://schemas.microsoft.com/office/drawing/2010/main" xmlns="" w="9525">
                   <a:solidFill>
                     <a:srgbClr val="000000"/>
                   </a:solidFill>
@@ -2579,7 +2579,7 @@
             </a:ln>
             <a:extLst>
               <a:ext uri="{91240B29-F687-4f45-9708-019B960494DF}">
-                <a14:hiddenLine xmlns="" xmlns:a14="http://schemas.microsoft.com/office/drawing/2010/main" w="9525">
+                <a14:hiddenLine xmlns:a14="http://schemas.microsoft.com/office/drawing/2010/main" xmlns="" w="9525">
                   <a:solidFill>
                     <a:srgbClr val="000000"/>
                   </a:solidFill>
@@ -2669,7 +2669,7 @@
             </a:ln>
             <a:extLst>
               <a:ext uri="{91240B29-F687-4f45-9708-019B960494DF}">
-                <a14:hiddenLine xmlns="" xmlns:a14="http://schemas.microsoft.com/office/drawing/2010/main" w="9525">
+                <a14:hiddenLine xmlns:a14="http://schemas.microsoft.com/office/drawing/2010/main" xmlns="" w="9525">
                   <a:solidFill>
                     <a:srgbClr val="000000"/>
                   </a:solidFill>
@@ -2737,7 +2737,7 @@
             </a:ln>
             <a:extLst>
               <a:ext uri="{91240B29-F687-4f45-9708-019B960494DF}">
-                <a14:hiddenLine xmlns="" xmlns:a14="http://schemas.microsoft.com/office/drawing/2010/main" w="9525">
+                <a14:hiddenLine xmlns:a14="http://schemas.microsoft.com/office/drawing/2010/main" xmlns="" w="9525">
                   <a:solidFill>
                     <a:srgbClr val="000000"/>
                   </a:solidFill>
@@ -2799,7 +2799,7 @@
             </a:ln>
             <a:extLst>
               <a:ext uri="{91240B29-F687-4f45-9708-019B960494DF}">
-                <a14:hiddenLine xmlns="" xmlns:a14="http://schemas.microsoft.com/office/drawing/2010/main" w="9525">
+                <a14:hiddenLine xmlns:a14="http://schemas.microsoft.com/office/drawing/2010/main" xmlns="" w="9525">
                   <a:solidFill>
                     <a:srgbClr val="000000"/>
                   </a:solidFill>
@@ -2889,7 +2889,7 @@
             </a:ln>
             <a:extLst>
               <a:ext uri="{91240B29-F687-4f45-9708-019B960494DF}">
-                <a14:hiddenLine xmlns="" xmlns:a14="http://schemas.microsoft.com/office/drawing/2010/main" w="9525">
+                <a14:hiddenLine xmlns:a14="http://schemas.microsoft.com/office/drawing/2010/main" xmlns="" w="9525">
                   <a:solidFill>
                     <a:srgbClr val="000000"/>
                   </a:solidFill>
@@ -2951,7 +2951,7 @@
             </a:ln>
             <a:extLst>
               <a:ext uri="{91240B29-F687-4f45-9708-019B960494DF}">
-                <a14:hiddenLine xmlns="" xmlns:a14="http://schemas.microsoft.com/office/drawing/2010/main" w="9525">
+                <a14:hiddenLine xmlns:a14="http://schemas.microsoft.com/office/drawing/2010/main" xmlns="" w="9525">
                   <a:solidFill>
                     <a:srgbClr val="000000"/>
                   </a:solidFill>
@@ -3041,7 +3041,7 @@
             </a:ln>
             <a:extLst>
               <a:ext uri="{91240B29-F687-4f45-9708-019B960494DF}">
-                <a14:hiddenLine xmlns="" xmlns:a14="http://schemas.microsoft.com/office/drawing/2010/main" w="9525">
+                <a14:hiddenLine xmlns:a14="http://schemas.microsoft.com/office/drawing/2010/main" xmlns="" w="9525">
                   <a:solidFill>
                     <a:srgbClr val="000000"/>
                   </a:solidFill>
@@ -3103,7 +3103,7 @@
             </a:ln>
             <a:extLst>
               <a:ext uri="{91240B29-F687-4f45-9708-019B960494DF}">
-                <a14:hiddenLine xmlns="" xmlns:a14="http://schemas.microsoft.com/office/drawing/2010/main" w="9525">
+                <a14:hiddenLine xmlns:a14="http://schemas.microsoft.com/office/drawing/2010/main" xmlns="" w="9525">
                   <a:solidFill>
                     <a:srgbClr val="000000"/>
                   </a:solidFill>
@@ -3193,7 +3193,7 @@
             </a:ln>
             <a:extLst>
               <a:ext uri="{91240B29-F687-4f45-9708-019B960494DF}">
-                <a14:hiddenLine xmlns="" xmlns:a14="http://schemas.microsoft.com/office/drawing/2010/main" w="9525">
+                <a14:hiddenLine xmlns:a14="http://schemas.microsoft.com/office/drawing/2010/main" xmlns="" w="9525">
                   <a:solidFill>
                     <a:srgbClr val="000000"/>
                   </a:solidFill>
@@ -3227,7 +3227,7 @@
             </a:ln>
             <a:extLst>
               <a:ext uri="{91240B29-F687-4f45-9708-019B960494DF}">
-                <a14:hiddenLine xmlns="" xmlns:a14="http://schemas.microsoft.com/office/drawing/2010/main" w="9525">
+                <a14:hiddenLine xmlns:a14="http://schemas.microsoft.com/office/drawing/2010/main" xmlns="" w="9525">
                   <a:solidFill>
                     <a:srgbClr val="000000"/>
                   </a:solidFill>
@@ -3292,7 +3292,7 @@
             </a:ln>
             <a:extLst>
               <a:ext uri="{91240B29-F687-4f45-9708-019B960494DF}">
-                <a14:hiddenLine xmlns="" xmlns:a14="http://schemas.microsoft.com/office/drawing/2010/main" w="9525">
+                <a14:hiddenLine xmlns:a14="http://schemas.microsoft.com/office/drawing/2010/main" xmlns="" w="9525">
                   <a:solidFill>
                     <a:srgbClr val="000000"/>
                   </a:solidFill>
@@ -3382,7 +3382,7 @@
             </a:ln>
             <a:extLst>
               <a:ext uri="{91240B29-F687-4f45-9708-019B960494DF}">
-                <a14:hiddenLine xmlns="" xmlns:a14="http://schemas.microsoft.com/office/drawing/2010/main" w="9525">
+                <a14:hiddenLine xmlns:a14="http://schemas.microsoft.com/office/drawing/2010/main" xmlns="" w="9525">
                   <a:solidFill>
                     <a:srgbClr val="000000"/>
                   </a:solidFill>
@@ -3444,7 +3444,7 @@
             </a:ln>
             <a:extLst>
               <a:ext uri="{91240B29-F687-4f45-9708-019B960494DF}">
-                <a14:hiddenLine xmlns="" xmlns:a14="http://schemas.microsoft.com/office/drawing/2010/main" w="9525">
+                <a14:hiddenLine xmlns:a14="http://schemas.microsoft.com/office/drawing/2010/main" xmlns="" w="9525">
                   <a:solidFill>
                     <a:srgbClr val="000000"/>
                   </a:solidFill>
@@ -3534,7 +3534,7 @@
             </a:ln>
             <a:extLst>
               <a:ext uri="{91240B29-F687-4f45-9708-019B960494DF}">
-                <a14:hiddenLine xmlns="" xmlns:a14="http://schemas.microsoft.com/office/drawing/2010/main" w="9525">
+                <a14:hiddenLine xmlns:a14="http://schemas.microsoft.com/office/drawing/2010/main" xmlns="" w="9525">
                   <a:solidFill>
                     <a:srgbClr val="000000"/>
                   </a:solidFill>
@@ -3624,7 +3624,7 @@
             </a:ln>
             <a:extLst>
               <a:ext uri="{91240B29-F687-4f45-9708-019B960494DF}">
-                <a14:hiddenLine xmlns="" xmlns:a14="http://schemas.microsoft.com/office/drawing/2010/main" w="9525">
+                <a14:hiddenLine xmlns:a14="http://schemas.microsoft.com/office/drawing/2010/main" xmlns="" w="9525">
                   <a:solidFill>
                     <a:srgbClr val="000000"/>
                   </a:solidFill>
@@ -3689,7 +3689,7 @@
             </a:ln>
             <a:extLst>
               <a:ext uri="{91240B29-F687-4f45-9708-019B960494DF}">
-                <a14:hiddenLine xmlns="" xmlns:a14="http://schemas.microsoft.com/office/drawing/2010/main" w="9525">
+                <a14:hiddenLine xmlns:a14="http://schemas.microsoft.com/office/drawing/2010/main" xmlns="" w="9525">
                   <a:solidFill>
                     <a:srgbClr val="000000"/>
                   </a:solidFill>
@@ -3751,7 +3751,7 @@
             </a:ln>
             <a:extLst>
               <a:ext uri="{91240B29-F687-4f45-9708-019B960494DF}">
-                <a14:hiddenLine xmlns="" xmlns:a14="http://schemas.microsoft.com/office/drawing/2010/main" w="9525">
+                <a14:hiddenLine xmlns:a14="http://schemas.microsoft.com/office/drawing/2010/main" xmlns="" w="9525">
                   <a:solidFill>
                     <a:srgbClr val="000000"/>
                   </a:solidFill>
@@ -3841,7 +3841,7 @@
             </a:ln>
             <a:extLst>
               <a:ext uri="{91240B29-F687-4f45-9708-019B960494DF}">
-                <a14:hiddenLine xmlns="" xmlns:a14="http://schemas.microsoft.com/office/drawing/2010/main" w="9525">
+                <a14:hiddenLine xmlns:a14="http://schemas.microsoft.com/office/drawing/2010/main" xmlns="" w="9525">
                   <a:solidFill>
                     <a:srgbClr val="000000"/>
                   </a:solidFill>
@@ -3931,7 +3931,7 @@
             </a:ln>
             <a:extLst>
               <a:ext uri="{91240B29-F687-4f45-9708-019B960494DF}">
-                <a14:hiddenLine xmlns="" xmlns:a14="http://schemas.microsoft.com/office/drawing/2010/main" w="9525">
+                <a14:hiddenLine xmlns:a14="http://schemas.microsoft.com/office/drawing/2010/main" xmlns="" w="9525">
                   <a:solidFill>
                     <a:srgbClr val="000000"/>
                   </a:solidFill>
@@ -3993,7 +3993,7 @@
             </a:ln>
             <a:extLst>
               <a:ext uri="{91240B29-F687-4f45-9708-019B960494DF}">
-                <a14:hiddenLine xmlns="" xmlns:a14="http://schemas.microsoft.com/office/drawing/2010/main" w="9525">
+                <a14:hiddenLine xmlns:a14="http://schemas.microsoft.com/office/drawing/2010/main" xmlns="" w="9525">
                   <a:solidFill>
                     <a:srgbClr val="000000"/>
                   </a:solidFill>
@@ -4113,7 +4113,7 @@
             </a:ln>
             <a:extLst>
               <a:ext uri="{91240B29-F687-4f45-9708-019B960494DF}">
-                <a14:hiddenLine xmlns="" xmlns:a14="http://schemas.microsoft.com/office/drawing/2010/main" w="9525">
+                <a14:hiddenLine xmlns:a14="http://schemas.microsoft.com/office/drawing/2010/main" xmlns="" w="9525">
                   <a:solidFill>
                     <a:srgbClr val="000000"/>
                   </a:solidFill>
@@ -4181,7 +4181,7 @@
             </a:ln>
             <a:extLst>
               <a:ext uri="{91240B29-F687-4f45-9708-019B960494DF}">
-                <a14:hiddenLine xmlns="" xmlns:a14="http://schemas.microsoft.com/office/drawing/2010/main" w="9525">
+                <a14:hiddenLine xmlns:a14="http://schemas.microsoft.com/office/drawing/2010/main" xmlns="" w="9525">
                   <a:solidFill>
                     <a:srgbClr val="000000"/>
                   </a:solidFill>
@@ -4271,7 +4271,7 @@
             </a:ln>
             <a:extLst>
               <a:ext uri="{91240B29-F687-4f45-9708-019B960494DF}">
-                <a14:hiddenLine xmlns="" xmlns:a14="http://schemas.microsoft.com/office/drawing/2010/main" w="9525">
+                <a14:hiddenLine xmlns:a14="http://schemas.microsoft.com/office/drawing/2010/main" xmlns="" w="9525">
                   <a:solidFill>
                     <a:srgbClr val="000000"/>
                   </a:solidFill>
@@ -9000,7 +9000,7 @@
           <a:noFill/>
           <a:extLst>
             <a:ext uri="{909E8E84-426E-40dd-AFC4-6F175D3DCCD1}">
-              <a14:hiddenFill xmlns="" xmlns:a14="http://schemas.microsoft.com/office/drawing/2010/main">
+              <a14:hiddenFill xmlns:a14="http://schemas.microsoft.com/office/drawing/2010/main" xmlns="">
                 <a:solidFill>
                   <a:srgbClr val="FFFFFF"/>
                 </a:solidFill>
@@ -9074,7 +9074,7 @@
               </a:ln>
               <a:extLst>
                 <a:ext uri="{91240B29-F687-4f45-9708-019B960494DF}">
-                  <a14:hiddenLine xmlns="" xmlns:a14="http://schemas.microsoft.com/office/drawing/2010/main" w="9525">
+                  <a14:hiddenLine xmlns:a14="http://schemas.microsoft.com/office/drawing/2010/main" xmlns="" w="9525">
                     <a:solidFill>
                       <a:srgbClr val="000000"/>
                     </a:solidFill>
@@ -9164,7 +9164,7 @@
               </a:ln>
               <a:extLst>
                 <a:ext uri="{91240B29-F687-4f45-9708-019B960494DF}">
-                  <a14:hiddenLine xmlns="" xmlns:a14="http://schemas.microsoft.com/office/drawing/2010/main" w="9525">
+                  <a14:hiddenLine xmlns:a14="http://schemas.microsoft.com/office/drawing/2010/main" xmlns="" w="9525">
                     <a:solidFill>
                       <a:srgbClr val="000000"/>
                     </a:solidFill>
@@ -9254,7 +9254,7 @@
               </a:ln>
               <a:extLst>
                 <a:ext uri="{91240B29-F687-4f45-9708-019B960494DF}">
-                  <a14:hiddenLine xmlns="" xmlns:a14="http://schemas.microsoft.com/office/drawing/2010/main" w="9525">
+                  <a14:hiddenLine xmlns:a14="http://schemas.microsoft.com/office/drawing/2010/main" xmlns="" w="9525">
                     <a:solidFill>
                       <a:srgbClr val="000000"/>
                     </a:solidFill>
@@ -9316,7 +9316,7 @@
               </a:ln>
               <a:extLst>
                 <a:ext uri="{91240B29-F687-4f45-9708-019B960494DF}">
-                  <a14:hiddenLine xmlns="" xmlns:a14="http://schemas.microsoft.com/office/drawing/2010/main" w="9525">
+                  <a14:hiddenLine xmlns:a14="http://schemas.microsoft.com/office/drawing/2010/main" xmlns="" w="9525">
                     <a:solidFill>
                       <a:srgbClr val="000000"/>
                     </a:solidFill>
@@ -9406,7 +9406,7 @@
               </a:ln>
               <a:extLst>
                 <a:ext uri="{91240B29-F687-4f45-9708-019B960494DF}">
-                  <a14:hiddenLine xmlns="" xmlns:a14="http://schemas.microsoft.com/office/drawing/2010/main" w="9525">
+                  <a14:hiddenLine xmlns:a14="http://schemas.microsoft.com/office/drawing/2010/main" xmlns="" w="9525">
                     <a:solidFill>
                       <a:srgbClr val="000000"/>
                     </a:solidFill>
@@ -9468,7 +9468,7 @@
               </a:ln>
               <a:extLst>
                 <a:ext uri="{91240B29-F687-4f45-9708-019B960494DF}">
-                  <a14:hiddenLine xmlns="" xmlns:a14="http://schemas.microsoft.com/office/drawing/2010/main" w="9525">
+                  <a14:hiddenLine xmlns:a14="http://schemas.microsoft.com/office/drawing/2010/main" xmlns="" w="9525">
                     <a:solidFill>
                       <a:srgbClr val="000000"/>
                     </a:solidFill>
@@ -9530,7 +9530,7 @@
               </a:ln>
               <a:extLst>
                 <a:ext uri="{91240B29-F687-4f45-9708-019B960494DF}">
-                  <a14:hiddenLine xmlns="" xmlns:a14="http://schemas.microsoft.com/office/drawing/2010/main" w="9525">
+                  <a14:hiddenLine xmlns:a14="http://schemas.microsoft.com/office/drawing/2010/main" xmlns="" w="9525">
                     <a:solidFill>
                       <a:srgbClr val="000000"/>
                     </a:solidFill>
@@ -9620,7 +9620,7 @@
               </a:ln>
               <a:extLst>
                 <a:ext uri="{91240B29-F687-4f45-9708-019B960494DF}">
-                  <a14:hiddenLine xmlns="" xmlns:a14="http://schemas.microsoft.com/office/drawing/2010/main" w="9525">
+                  <a14:hiddenLine xmlns:a14="http://schemas.microsoft.com/office/drawing/2010/main" xmlns="" w="9525">
                     <a:solidFill>
                       <a:srgbClr val="000000"/>
                     </a:solidFill>
@@ -9710,7 +9710,7 @@
               </a:ln>
               <a:extLst>
                 <a:ext uri="{91240B29-F687-4f45-9708-019B960494DF}">
-                  <a14:hiddenLine xmlns="" xmlns:a14="http://schemas.microsoft.com/office/drawing/2010/main" w="9525">
+                  <a14:hiddenLine xmlns:a14="http://schemas.microsoft.com/office/drawing/2010/main" xmlns="" w="9525">
                     <a:solidFill>
                       <a:srgbClr val="000000"/>
                     </a:solidFill>
@@ -9772,7 +9772,7 @@
               </a:ln>
               <a:extLst>
                 <a:ext uri="{91240B29-F687-4f45-9708-019B960494DF}">
-                  <a14:hiddenLine xmlns="" xmlns:a14="http://schemas.microsoft.com/office/drawing/2010/main" w="9525">
+                  <a14:hiddenLine xmlns:a14="http://schemas.microsoft.com/office/drawing/2010/main" xmlns="" w="9525">
                     <a:solidFill>
                       <a:srgbClr val="000000"/>
                     </a:solidFill>
@@ -9882,7 +9882,7 @@
               </a:ln>
               <a:extLst>
                 <a:ext uri="{91240B29-F687-4f45-9708-019B960494DF}">
-                  <a14:hiddenLine xmlns="" xmlns:a14="http://schemas.microsoft.com/office/drawing/2010/main" w="9525">
+                  <a14:hiddenLine xmlns:a14="http://schemas.microsoft.com/office/drawing/2010/main" xmlns="" w="9525">
                     <a:solidFill>
                       <a:srgbClr val="000000"/>
                     </a:solidFill>
@@ -9966,7 +9966,7 @@
               </a:ln>
               <a:extLst>
                 <a:ext uri="{91240B29-F687-4f45-9708-019B960494DF}">
-                  <a14:hiddenLine xmlns="" xmlns:a14="http://schemas.microsoft.com/office/drawing/2010/main" w="9525">
+                  <a14:hiddenLine xmlns:a14="http://schemas.microsoft.com/office/drawing/2010/main" xmlns="" w="9525">
                     <a:solidFill>
                       <a:srgbClr val="000000"/>
                     </a:solidFill>
@@ -10028,7 +10028,7 @@
               </a:ln>
               <a:extLst>
                 <a:ext uri="{91240B29-F687-4f45-9708-019B960494DF}">
-                  <a14:hiddenLine xmlns="" xmlns:a14="http://schemas.microsoft.com/office/drawing/2010/main" w="9525">
+                  <a14:hiddenLine xmlns:a14="http://schemas.microsoft.com/office/drawing/2010/main" xmlns="" w="9525">
                     <a:solidFill>
                       <a:srgbClr val="000000"/>
                     </a:solidFill>
@@ -10090,7 +10090,7 @@
               </a:ln>
               <a:extLst>
                 <a:ext uri="{91240B29-F687-4f45-9708-019B960494DF}">
-                  <a14:hiddenLine xmlns="" xmlns:a14="http://schemas.microsoft.com/office/drawing/2010/main" w="9525">
+                  <a14:hiddenLine xmlns:a14="http://schemas.microsoft.com/office/drawing/2010/main" xmlns="" w="9525">
                     <a:solidFill>
                       <a:srgbClr val="000000"/>
                     </a:solidFill>
@@ -10180,7 +10180,7 @@
               </a:ln>
               <a:extLst>
                 <a:ext uri="{91240B29-F687-4f45-9708-019B960494DF}">
-                  <a14:hiddenLine xmlns="" xmlns:a14="http://schemas.microsoft.com/office/drawing/2010/main" w="9525">
+                  <a14:hiddenLine xmlns:a14="http://schemas.microsoft.com/office/drawing/2010/main" xmlns="" w="9525">
                     <a:solidFill>
                       <a:srgbClr val="000000"/>
                     </a:solidFill>
@@ -10214,7 +10214,7 @@
               </a:ln>
               <a:extLst>
                 <a:ext uri="{91240B29-F687-4f45-9708-019B960494DF}">
-                  <a14:hiddenLine xmlns="" xmlns:a14="http://schemas.microsoft.com/office/drawing/2010/main" w="9525">
+                  <a14:hiddenLine xmlns:a14="http://schemas.microsoft.com/office/drawing/2010/main" xmlns="" w="9525">
                     <a:solidFill>
                       <a:srgbClr val="000000"/>
                     </a:solidFill>
@@ -10279,7 +10279,7 @@
               </a:ln>
               <a:extLst>
                 <a:ext uri="{91240B29-F687-4f45-9708-019B960494DF}">
-                  <a14:hiddenLine xmlns="" xmlns:a14="http://schemas.microsoft.com/office/drawing/2010/main" w="9525">
+                  <a14:hiddenLine xmlns:a14="http://schemas.microsoft.com/office/drawing/2010/main" xmlns="" w="9525">
                     <a:solidFill>
                       <a:srgbClr val="000000"/>
                     </a:solidFill>
@@ -10369,7 +10369,7 @@
               </a:ln>
               <a:extLst>
                 <a:ext uri="{91240B29-F687-4f45-9708-019B960494DF}">
-                  <a14:hiddenLine xmlns="" xmlns:a14="http://schemas.microsoft.com/office/drawing/2010/main" w="9525">
+                  <a14:hiddenLine xmlns:a14="http://schemas.microsoft.com/office/drawing/2010/main" xmlns="" w="9525">
                     <a:solidFill>
                       <a:srgbClr val="000000"/>
                     </a:solidFill>
@@ -10431,7 +10431,7 @@
               </a:ln>
               <a:extLst>
                 <a:ext uri="{91240B29-F687-4f45-9708-019B960494DF}">
-                  <a14:hiddenLine xmlns="" xmlns:a14="http://schemas.microsoft.com/office/drawing/2010/main" w="9525">
+                  <a14:hiddenLine xmlns:a14="http://schemas.microsoft.com/office/drawing/2010/main" xmlns="" w="9525">
                     <a:solidFill>
                       <a:srgbClr val="000000"/>
                     </a:solidFill>
@@ -10521,7 +10521,7 @@
               </a:ln>
               <a:extLst>
                 <a:ext uri="{91240B29-F687-4f45-9708-019B960494DF}">
-                  <a14:hiddenLine xmlns="" xmlns:a14="http://schemas.microsoft.com/office/drawing/2010/main" w="9525">
+                  <a14:hiddenLine xmlns:a14="http://schemas.microsoft.com/office/drawing/2010/main" xmlns="" w="9525">
                     <a:solidFill>
                       <a:srgbClr val="000000"/>
                     </a:solidFill>
@@ -10586,7 +10586,7 @@
               </a:ln>
               <a:extLst>
                 <a:ext uri="{91240B29-F687-4f45-9708-019B960494DF}">
-                  <a14:hiddenLine xmlns="" xmlns:a14="http://schemas.microsoft.com/office/drawing/2010/main" w="9525">
+                  <a14:hiddenLine xmlns:a14="http://schemas.microsoft.com/office/drawing/2010/main" xmlns="" w="9525">
                     <a:solidFill>
                       <a:srgbClr val="000000"/>
                     </a:solidFill>
@@ -10648,7 +10648,7 @@
               </a:ln>
               <a:extLst>
                 <a:ext uri="{91240B29-F687-4f45-9708-019B960494DF}">
-                  <a14:hiddenLine xmlns="" xmlns:a14="http://schemas.microsoft.com/office/drawing/2010/main" w="9525">
+                  <a14:hiddenLine xmlns:a14="http://schemas.microsoft.com/office/drawing/2010/main" xmlns="" w="9525">
                     <a:solidFill>
                       <a:srgbClr val="000000"/>
                     </a:solidFill>
@@ -10738,7 +10738,7 @@
               </a:ln>
               <a:extLst>
                 <a:ext uri="{91240B29-F687-4f45-9708-019B960494DF}">
-                  <a14:hiddenLine xmlns="" xmlns:a14="http://schemas.microsoft.com/office/drawing/2010/main" w="9525">
+                  <a14:hiddenLine xmlns:a14="http://schemas.microsoft.com/office/drawing/2010/main" xmlns="" w="9525">
                     <a:solidFill>
                       <a:srgbClr val="000000"/>
                     </a:solidFill>
@@ -10828,7 +10828,7 @@
               </a:ln>
               <a:extLst>
                 <a:ext uri="{91240B29-F687-4f45-9708-019B960494DF}">
-                  <a14:hiddenLine xmlns="" xmlns:a14="http://schemas.microsoft.com/office/drawing/2010/main" w="9525">
+                  <a14:hiddenLine xmlns:a14="http://schemas.microsoft.com/office/drawing/2010/main" xmlns="" w="9525">
                     <a:solidFill>
                       <a:srgbClr val="000000"/>
                     </a:solidFill>
@@ -10893,7 +10893,7 @@
               </a:ln>
               <a:extLst>
                 <a:ext uri="{91240B29-F687-4f45-9708-019B960494DF}">
-                  <a14:hiddenLine xmlns="" xmlns:a14="http://schemas.microsoft.com/office/drawing/2010/main" w="9525">
+                  <a14:hiddenLine xmlns:a14="http://schemas.microsoft.com/office/drawing/2010/main" xmlns="" w="9525">
                     <a:solidFill>
                       <a:srgbClr val="000000"/>
                     </a:solidFill>
@@ -11013,7 +11013,7 @@
               </a:ln>
               <a:extLst>
                 <a:ext uri="{91240B29-F687-4f45-9708-019B960494DF}">
-                  <a14:hiddenLine xmlns="" xmlns:a14="http://schemas.microsoft.com/office/drawing/2010/main" w="9525">
+                  <a14:hiddenLine xmlns:a14="http://schemas.microsoft.com/office/drawing/2010/main" xmlns="" w="9525">
                     <a:solidFill>
                       <a:srgbClr val="000000"/>
                     </a:solidFill>
@@ -11094,7 +11094,7 @@
               </a:ln>
               <a:extLst>
                 <a:ext uri="{91240B29-F687-4f45-9708-019B960494DF}">
-                  <a14:hiddenLine xmlns="" xmlns:a14="http://schemas.microsoft.com/office/drawing/2010/main" w="9525">
+                  <a14:hiddenLine xmlns:a14="http://schemas.microsoft.com/office/drawing/2010/main" xmlns="" w="9525">
                     <a:solidFill>
                       <a:srgbClr val="000000"/>
                     </a:solidFill>
@@ -11209,7 +11209,7 @@
               </a:ln>
               <a:extLst>
                 <a:ext uri="{91240B29-F687-4f45-9708-019B960494DF}">
-                  <a14:hiddenLine xmlns="" xmlns:a14="http://schemas.microsoft.com/office/drawing/2010/main" w="9525">
+                  <a14:hiddenLine xmlns:a14="http://schemas.microsoft.com/office/drawing/2010/main" xmlns="" w="9525">
                     <a:solidFill>
                       <a:srgbClr val="000000"/>
                     </a:solidFill>
@@ -11299,7 +11299,7 @@
               </a:ln>
               <a:extLst>
                 <a:ext uri="{91240B29-F687-4f45-9708-019B960494DF}">
-                  <a14:hiddenLine xmlns="" xmlns:a14="http://schemas.microsoft.com/office/drawing/2010/main" w="9525">
+                  <a14:hiddenLine xmlns:a14="http://schemas.microsoft.com/office/drawing/2010/main" xmlns="" w="9525">
                     <a:solidFill>
                       <a:srgbClr val="000000"/>
                     </a:solidFill>
@@ -11364,7 +11364,7 @@
               </a:ln>
               <a:extLst>
                 <a:ext uri="{91240B29-F687-4f45-9708-019B960494DF}">
-                  <a14:hiddenLine xmlns="" xmlns:a14="http://schemas.microsoft.com/office/drawing/2010/main" w="9525">
+                  <a14:hiddenLine xmlns:a14="http://schemas.microsoft.com/office/drawing/2010/main" xmlns="" w="9525">
                     <a:solidFill>
                       <a:srgbClr val="000000"/>
                     </a:solidFill>
@@ -11454,7 +11454,7 @@
               </a:ln>
               <a:extLst>
                 <a:ext uri="{91240B29-F687-4f45-9708-019B960494DF}">
-                  <a14:hiddenLine xmlns="" xmlns:a14="http://schemas.microsoft.com/office/drawing/2010/main" w="9525">
+                  <a14:hiddenLine xmlns:a14="http://schemas.microsoft.com/office/drawing/2010/main" xmlns="" w="9525">
                     <a:solidFill>
                       <a:srgbClr val="000000"/>
                     </a:solidFill>
@@ -11522,7 +11522,7 @@
               </a:ln>
               <a:extLst>
                 <a:ext uri="{91240B29-F687-4f45-9708-019B960494DF}">
-                  <a14:hiddenLine xmlns="" xmlns:a14="http://schemas.microsoft.com/office/drawing/2010/main" w="9525">
+                  <a14:hiddenLine xmlns:a14="http://schemas.microsoft.com/office/drawing/2010/main" xmlns="" w="9525">
                     <a:solidFill>
                       <a:srgbClr val="000000"/>
                     </a:solidFill>
@@ -11612,7 +11612,7 @@
               </a:ln>
               <a:extLst>
                 <a:ext uri="{91240B29-F687-4f45-9708-019B960494DF}">
-                  <a14:hiddenLine xmlns="" xmlns:a14="http://schemas.microsoft.com/office/drawing/2010/main" w="9525">
+                  <a14:hiddenLine xmlns:a14="http://schemas.microsoft.com/office/drawing/2010/main" xmlns="" w="9525">
                     <a:solidFill>
                       <a:srgbClr val="000000"/>
                     </a:solidFill>
@@ -11680,7 +11680,7 @@
               </a:ln>
               <a:extLst>
                 <a:ext uri="{91240B29-F687-4f45-9708-019B960494DF}">
-                  <a14:hiddenLine xmlns="" xmlns:a14="http://schemas.microsoft.com/office/drawing/2010/main" w="9525">
+                  <a14:hiddenLine xmlns:a14="http://schemas.microsoft.com/office/drawing/2010/main" xmlns="" w="9525">
                     <a:solidFill>
                       <a:srgbClr val="000000"/>
                     </a:solidFill>
@@ -11770,7 +11770,7 @@
               </a:ln>
               <a:extLst>
                 <a:ext uri="{91240B29-F687-4f45-9708-019B960494DF}">
-                  <a14:hiddenLine xmlns="" xmlns:a14="http://schemas.microsoft.com/office/drawing/2010/main" w="9525">
+                  <a14:hiddenLine xmlns:a14="http://schemas.microsoft.com/office/drawing/2010/main" xmlns="" w="9525">
                     <a:solidFill>
                       <a:srgbClr val="000000"/>
                     </a:solidFill>
@@ -11804,7 +11804,7 @@
               </a:ln>
               <a:extLst>
                 <a:ext uri="{91240B29-F687-4f45-9708-019B960494DF}">
-                  <a14:hiddenLine xmlns="" xmlns:a14="http://schemas.microsoft.com/office/drawing/2010/main" w="9525">
+                  <a14:hiddenLine xmlns:a14="http://schemas.microsoft.com/office/drawing/2010/main" xmlns="" w="9525">
                     <a:solidFill>
                       <a:srgbClr val="000000"/>
                     </a:solidFill>
@@ -12582,7 +12582,7 @@
                 <a:effectLst/>
                 <a:latin typeface="-apple-system"/>
               </a:rPr>
-              <a:t>8h (1h per story) - included inside each story</a:t>
+              <a:t>8h (1h per story - included inside each story) + 6h in design task = 14h</a:t>
             </a:r>
             <a:endParaRPr lang="en-US" b="0" i="0" dirty="0">
               <a:solidFill>
@@ -12605,7 +12605,7 @@
                 <a:effectLst/>
                 <a:latin typeface="-apple-system"/>
               </a:rPr>
-              <a:t>Total hours spent: 6h</a:t>
+              <a:t>Total hours spent: 6h for stories + 6h for design task = 12h</a:t>
             </a:r>
           </a:p>
         </p:txBody>
